--- a/study-note/자바/2022-08-25 내용정리.pptx
+++ b/study-note/자바/2022-08-25 내용정리.pptx
@@ -4415,15 +4415,13 @@
           </a:prstGeom>
         </p:spPr>
         <p:style>
-          <a:lnRef idx="2">
-            <a:schemeClr val="accent1">
-              <a:shade val="50000"/>
-            </a:schemeClr>
+          <a:lnRef idx="3">
+            <a:schemeClr val="lt1"/>
           </a:lnRef>
           <a:fillRef idx="1">
             <a:schemeClr val="accent1"/>
           </a:fillRef>
-          <a:effectRef idx="0">
+          <a:effectRef idx="1">
             <a:schemeClr val="accent1"/>
           </a:effectRef>
           <a:fontRef idx="minor">
@@ -4577,6 +4575,56 @@
           </a:fontRef>
         </p:style>
       </p:cxnSp>
+      <p:sp>
+        <p:nvSpPr>
+          <p:cNvPr id="7" name="TextBox 6">
+            <a:extLst>
+              <a:ext uri="{FF2B5EF4-FFF2-40B4-BE49-F238E27FC236}">
+                <a16:creationId xmlns:a16="http://schemas.microsoft.com/office/drawing/2014/main" id="{B3CDD204-BBA5-A5A8-39B4-8DD85C64F5B9}"/>
+              </a:ext>
+            </a:extLst>
+          </p:cNvPr>
+          <p:cNvSpPr txBox="1"/>
+          <p:nvPr/>
+        </p:nvSpPr>
+        <p:spPr>
+          <a:xfrm>
+            <a:off x="4073070" y="2461161"/>
+            <a:ext cx="663734" cy="276999"/>
+          </a:xfrm>
+          <a:prstGeom prst="rect">
+            <a:avLst/>
+          </a:prstGeom>
+        </p:spPr>
+        <p:style>
+          <a:lnRef idx="2">
+            <a:schemeClr val="dk1"/>
+          </a:lnRef>
+          <a:fillRef idx="1">
+            <a:schemeClr val="lt1"/>
+          </a:fillRef>
+          <a:effectRef idx="0">
+            <a:schemeClr val="dk1"/>
+          </a:effectRef>
+          <a:fontRef idx="minor">
+            <a:schemeClr val="dk1"/>
+          </a:fontRef>
+        </p:style>
+        <p:txBody>
+          <a:bodyPr wrap="square" rtlCol="0">
+            <a:spAutoFit/>
+          </a:bodyPr>
+          <a:lstStyle/>
+          <a:p>
+            <a:pPr algn="ctr"/>
+            <a:r>
+              <a:rPr kumimoji="1" lang="ko-KR" altLang="en-US" sz="1200" dirty="0"/>
+              <a:t>상속</a:t>
+            </a:r>
+            <a:endParaRPr kumimoji="1" lang="ko-Kore-KR" altLang="en-US" sz="1200" dirty="0"/>
+          </a:p>
+        </p:txBody>
+      </p:sp>
     </p:spTree>
     <p:extLst>
       <p:ext uri="{BB962C8B-B14F-4D97-AF65-F5344CB8AC3E}">
@@ -4607,6 +4655,261 @@
           <a:chExt cx="0" cy="0"/>
         </a:xfrm>
       </p:grpSpPr>
+      <p:sp>
+        <p:nvSpPr>
+          <p:cNvPr id="2" name="직사각형 1">
+            <a:extLst>
+              <a:ext uri="{FF2B5EF4-FFF2-40B4-BE49-F238E27FC236}">
+                <a16:creationId xmlns:a16="http://schemas.microsoft.com/office/drawing/2014/main" id="{7E6164ED-84AE-8A53-3C41-D93E8FA91F65}"/>
+              </a:ext>
+            </a:extLst>
+          </p:cNvPr>
+          <p:cNvSpPr/>
+          <p:nvPr/>
+        </p:nvSpPr>
+        <p:spPr>
+          <a:xfrm>
+            <a:off x="1052623" y="1392864"/>
+            <a:ext cx="5869172" cy="4774019"/>
+          </a:xfrm>
+          <a:prstGeom prst="rect">
+            <a:avLst/>
+          </a:prstGeom>
+        </p:spPr>
+        <p:style>
+          <a:lnRef idx="3">
+            <a:schemeClr val="lt1"/>
+          </a:lnRef>
+          <a:fillRef idx="1">
+            <a:schemeClr val="accent1"/>
+          </a:fillRef>
+          <a:effectRef idx="1">
+            <a:schemeClr val="accent1"/>
+          </a:effectRef>
+          <a:fontRef idx="minor">
+            <a:schemeClr val="lt1"/>
+          </a:fontRef>
+        </p:style>
+        <p:txBody>
+          <a:bodyPr rtlCol="0" anchor="t"/>
+          <a:lstStyle/>
+          <a:p>
+            <a:r>
+              <a:rPr kumimoji="1" lang="en-US" altLang="ko-Kore-KR" dirty="0"/>
+              <a:t>while()</a:t>
+            </a:r>
+            <a:endParaRPr kumimoji="1" lang="ko-Kore-KR" altLang="en-US" dirty="0"/>
+          </a:p>
+        </p:txBody>
+      </p:sp>
+      <p:sp>
+        <p:nvSpPr>
+          <p:cNvPr id="6" name="직사각형 5">
+            <a:extLst>
+              <a:ext uri="{FF2B5EF4-FFF2-40B4-BE49-F238E27FC236}">
+                <a16:creationId xmlns:a16="http://schemas.microsoft.com/office/drawing/2014/main" id="{A1F27E04-8B9F-26D8-F20D-4E4715D53822}"/>
+              </a:ext>
+            </a:extLst>
+          </p:cNvPr>
+          <p:cNvSpPr/>
+          <p:nvPr/>
+        </p:nvSpPr>
+        <p:spPr>
+          <a:xfrm>
+            <a:off x="1201479" y="1881963"/>
+            <a:ext cx="5475767" cy="4040372"/>
+          </a:xfrm>
+          <a:prstGeom prst="rect">
+            <a:avLst/>
+          </a:prstGeom>
+        </p:spPr>
+        <p:style>
+          <a:lnRef idx="3">
+            <a:schemeClr val="lt1"/>
+          </a:lnRef>
+          <a:fillRef idx="1">
+            <a:schemeClr val="accent3"/>
+          </a:fillRef>
+          <a:effectRef idx="1">
+            <a:schemeClr val="accent3"/>
+          </a:effectRef>
+          <a:fontRef idx="minor">
+            <a:schemeClr val="lt1"/>
+          </a:fontRef>
+        </p:style>
+        <p:txBody>
+          <a:bodyPr rtlCol="0" anchor="t"/>
+          <a:lstStyle/>
+          <a:p>
+            <a:r>
+              <a:rPr kumimoji="1" lang="en-US" altLang="ko-Kore-KR" dirty="0"/>
+              <a:t>Thread()</a:t>
+            </a:r>
+            <a:endParaRPr kumimoji="1" lang="ko-Kore-KR" altLang="en-US" dirty="0"/>
+          </a:p>
+        </p:txBody>
+      </p:sp>
+      <p:sp>
+        <p:nvSpPr>
+          <p:cNvPr id="3" name="직사각형 2">
+            <a:extLst>
+              <a:ext uri="{FF2B5EF4-FFF2-40B4-BE49-F238E27FC236}">
+                <a16:creationId xmlns:a16="http://schemas.microsoft.com/office/drawing/2014/main" id="{3075957E-1146-AD74-C704-8CDC3918DB20}"/>
+              </a:ext>
+            </a:extLst>
+          </p:cNvPr>
+          <p:cNvSpPr/>
+          <p:nvPr/>
+        </p:nvSpPr>
+        <p:spPr>
+          <a:xfrm>
+            <a:off x="1329070" y="2753832"/>
+            <a:ext cx="4671235" cy="2892055"/>
+          </a:xfrm>
+          <a:prstGeom prst="rect">
+            <a:avLst/>
+          </a:prstGeom>
+        </p:spPr>
+        <p:style>
+          <a:lnRef idx="3">
+            <a:schemeClr val="lt1"/>
+          </a:lnRef>
+          <a:fillRef idx="1">
+            <a:schemeClr val="accent5"/>
+          </a:fillRef>
+          <a:effectRef idx="1">
+            <a:schemeClr val="accent5"/>
+          </a:effectRef>
+          <a:fontRef idx="minor">
+            <a:schemeClr val="lt1"/>
+          </a:fontRef>
+        </p:style>
+        <p:txBody>
+          <a:bodyPr rtlCol="0" anchor="t"/>
+          <a:lstStyle/>
+          <a:p>
+            <a:r>
+              <a:rPr kumimoji="1" lang="en-US" altLang="ko-Kore-KR" dirty="0"/>
+              <a:t>run()</a:t>
+            </a:r>
+            <a:endParaRPr kumimoji="1" lang="ko-Kore-KR" altLang="en-US" dirty="0"/>
+          </a:p>
+        </p:txBody>
+      </p:sp>
+      <p:sp>
+        <p:nvSpPr>
+          <p:cNvPr id="4" name="TextBox 3">
+            <a:extLst>
+              <a:ext uri="{FF2B5EF4-FFF2-40B4-BE49-F238E27FC236}">
+                <a16:creationId xmlns:a16="http://schemas.microsoft.com/office/drawing/2014/main" id="{97978D51-8917-47DE-62D8-9934A0D68983}"/>
+              </a:ext>
+            </a:extLst>
+          </p:cNvPr>
+          <p:cNvSpPr txBox="1"/>
+          <p:nvPr/>
+        </p:nvSpPr>
+        <p:spPr>
+          <a:xfrm>
+            <a:off x="1329070" y="2305451"/>
+            <a:ext cx="4167963" cy="338554"/>
+          </a:xfrm>
+          <a:prstGeom prst="rect">
+            <a:avLst/>
+          </a:prstGeom>
+        </p:spPr>
+        <p:style>
+          <a:lnRef idx="2">
+            <a:schemeClr val="dk1"/>
+          </a:lnRef>
+          <a:fillRef idx="1">
+            <a:schemeClr val="lt1"/>
+          </a:fillRef>
+          <a:effectRef idx="0">
+            <a:schemeClr val="dk1"/>
+          </a:effectRef>
+          <a:fontRef idx="minor">
+            <a:schemeClr val="dk1"/>
+          </a:fontRef>
+        </p:style>
+        <p:txBody>
+          <a:bodyPr wrap="square" rtlCol="0">
+            <a:spAutoFit/>
+          </a:bodyPr>
+          <a:lstStyle/>
+          <a:p>
+            <a:r>
+              <a:rPr kumimoji="1" lang="en-US" altLang="ko-Kore-KR" sz="1600" dirty="0"/>
+              <a:t>Socket socket = </a:t>
+            </a:r>
+            <a:r>
+              <a:rPr kumimoji="1" lang="en-US" altLang="ko-Kore-KR" sz="1600" dirty="0" err="1"/>
+              <a:t>serverSocket.accept</a:t>
+            </a:r>
+            <a:r>
+              <a:rPr kumimoji="1" lang="en-US" altLang="ko-Kore-KR" sz="1600" dirty="0"/>
+              <a:t>();</a:t>
+            </a:r>
+            <a:endParaRPr kumimoji="1" lang="ko-Kore-KR" altLang="en-US" sz="1600" dirty="0"/>
+          </a:p>
+        </p:txBody>
+      </p:sp>
+      <p:sp>
+        <p:nvSpPr>
+          <p:cNvPr id="5" name="TextBox 4">
+            <a:extLst>
+              <a:ext uri="{FF2B5EF4-FFF2-40B4-BE49-F238E27FC236}">
+                <a16:creationId xmlns:a16="http://schemas.microsoft.com/office/drawing/2014/main" id="{7D417EE2-E5CA-1BE0-0625-68B277FB7DF8}"/>
+              </a:ext>
+            </a:extLst>
+          </p:cNvPr>
+          <p:cNvSpPr txBox="1"/>
+          <p:nvPr/>
+        </p:nvSpPr>
+        <p:spPr>
+          <a:xfrm>
+            <a:off x="1417675" y="3297781"/>
+            <a:ext cx="4167963" cy="338554"/>
+          </a:xfrm>
+          <a:prstGeom prst="rect">
+            <a:avLst/>
+          </a:prstGeom>
+        </p:spPr>
+        <p:style>
+          <a:lnRef idx="2">
+            <a:schemeClr val="dk1"/>
+          </a:lnRef>
+          <a:fillRef idx="1">
+            <a:schemeClr val="lt1"/>
+          </a:fillRef>
+          <a:effectRef idx="0">
+            <a:schemeClr val="dk1"/>
+          </a:effectRef>
+          <a:fontRef idx="minor">
+            <a:schemeClr val="dk1"/>
+          </a:fontRef>
+        </p:style>
+        <p:txBody>
+          <a:bodyPr wrap="square" rtlCol="0">
+            <a:spAutoFit/>
+          </a:bodyPr>
+          <a:lstStyle/>
+          <a:p>
+            <a:r>
+              <a:rPr kumimoji="1" lang="en-US" altLang="ko-Kore-KR" sz="1600" dirty="0"/>
+              <a:t>socket = </a:t>
+            </a:r>
+            <a:r>
+              <a:rPr kumimoji="1" lang="en-US" altLang="ko-Kore-KR" sz="1600" dirty="0" err="1"/>
+              <a:t>this.socket</a:t>
+            </a:r>
+            <a:r>
+              <a:rPr kumimoji="1" lang="en-US" altLang="ko-Kore-KR" sz="1600" dirty="0"/>
+              <a:t>;</a:t>
+            </a:r>
+            <a:endParaRPr kumimoji="1" lang="ko-Kore-KR" altLang="en-US" sz="1600" dirty="0"/>
+          </a:p>
+        </p:txBody>
+      </p:sp>
     </p:spTree>
     <p:extLst>
       <p:ext uri="{BB962C8B-B14F-4D97-AF65-F5344CB8AC3E}">

--- a/study-note/자바/2022-08-25 내용정리.pptx
+++ b/study-note/자바/2022-08-25 내용정리.pptx
@@ -4669,7 +4669,7 @@
         </p:nvSpPr>
         <p:spPr>
           <a:xfrm>
-            <a:off x="1052623" y="1392864"/>
+            <a:off x="6103087" y="1446028"/>
             <a:ext cx="5869172" cy="4774019"/>
           </a:xfrm>
           <a:prstGeom prst="rect">
@@ -4716,7 +4716,7 @@
         </p:nvSpPr>
         <p:spPr>
           <a:xfrm>
-            <a:off x="1201479" y="1881963"/>
+            <a:off x="6251943" y="1935127"/>
             <a:ext cx="5475767" cy="4040372"/>
           </a:xfrm>
           <a:prstGeom prst="rect">
@@ -4763,7 +4763,7 @@
         </p:nvSpPr>
         <p:spPr>
           <a:xfrm>
-            <a:off x="1329070" y="2753832"/>
+            <a:off x="6379534" y="2806996"/>
             <a:ext cx="4671235" cy="2892055"/>
           </a:xfrm>
           <a:prstGeom prst="rect">
@@ -4810,7 +4810,7 @@
         </p:nvSpPr>
         <p:spPr>
           <a:xfrm>
-            <a:off x="1329070" y="2305451"/>
+            <a:off x="6379534" y="2358615"/>
             <a:ext cx="4167963" cy="338554"/>
           </a:xfrm>
           <a:prstGeom prst="rect">
@@ -4867,7 +4867,262 @@
         </p:nvSpPr>
         <p:spPr>
           <a:xfrm>
-            <a:off x="1417675" y="3297781"/>
+            <a:off x="6468139" y="3350945"/>
+            <a:ext cx="4167963" cy="338554"/>
+          </a:xfrm>
+          <a:prstGeom prst="rect">
+            <a:avLst/>
+          </a:prstGeom>
+        </p:spPr>
+        <p:style>
+          <a:lnRef idx="2">
+            <a:schemeClr val="dk1"/>
+          </a:lnRef>
+          <a:fillRef idx="1">
+            <a:schemeClr val="lt1"/>
+          </a:fillRef>
+          <a:effectRef idx="0">
+            <a:schemeClr val="dk1"/>
+          </a:effectRef>
+          <a:fontRef idx="minor">
+            <a:schemeClr val="dk1"/>
+          </a:fontRef>
+        </p:style>
+        <p:txBody>
+          <a:bodyPr wrap="square" rtlCol="0">
+            <a:spAutoFit/>
+          </a:bodyPr>
+          <a:lstStyle/>
+          <a:p>
+            <a:r>
+              <a:rPr kumimoji="1" lang="en-US" altLang="ko-Kore-KR" sz="1600" dirty="0"/>
+              <a:t>socket = </a:t>
+            </a:r>
+            <a:r>
+              <a:rPr kumimoji="1" lang="en-US" altLang="ko-Kore-KR" sz="1600" dirty="0" err="1"/>
+              <a:t>this.socket</a:t>
+            </a:r>
+            <a:r>
+              <a:rPr kumimoji="1" lang="en-US" altLang="ko-Kore-KR" sz="1600" dirty="0"/>
+              <a:t>;</a:t>
+            </a:r>
+            <a:endParaRPr kumimoji="1" lang="ko-Kore-KR" altLang="en-US" sz="1600" dirty="0"/>
+          </a:p>
+        </p:txBody>
+      </p:sp>
+      <p:sp>
+        <p:nvSpPr>
+          <p:cNvPr id="7" name="직사각형 6">
+            <a:extLst>
+              <a:ext uri="{FF2B5EF4-FFF2-40B4-BE49-F238E27FC236}">
+                <a16:creationId xmlns:a16="http://schemas.microsoft.com/office/drawing/2014/main" id="{FC62550B-1BB4-F01F-5386-90B66F31337A}"/>
+              </a:ext>
+            </a:extLst>
+          </p:cNvPr>
+          <p:cNvSpPr/>
+          <p:nvPr/>
+        </p:nvSpPr>
+        <p:spPr>
+          <a:xfrm>
+            <a:off x="184300" y="1446028"/>
+            <a:ext cx="5869172" cy="4774019"/>
+          </a:xfrm>
+          <a:prstGeom prst="rect">
+            <a:avLst/>
+          </a:prstGeom>
+        </p:spPr>
+        <p:style>
+          <a:lnRef idx="3">
+            <a:schemeClr val="lt1"/>
+          </a:lnRef>
+          <a:fillRef idx="1">
+            <a:schemeClr val="accent1"/>
+          </a:fillRef>
+          <a:effectRef idx="1">
+            <a:schemeClr val="accent1"/>
+          </a:effectRef>
+          <a:fontRef idx="minor">
+            <a:schemeClr val="lt1"/>
+          </a:fontRef>
+        </p:style>
+        <p:txBody>
+          <a:bodyPr rtlCol="0" anchor="t"/>
+          <a:lstStyle/>
+          <a:p>
+            <a:r>
+              <a:rPr kumimoji="1" lang="en-US" altLang="ko-Kore-KR" dirty="0"/>
+              <a:t>while()</a:t>
+            </a:r>
+            <a:endParaRPr kumimoji="1" lang="ko-Kore-KR" altLang="en-US" dirty="0"/>
+          </a:p>
+        </p:txBody>
+      </p:sp>
+      <p:sp>
+        <p:nvSpPr>
+          <p:cNvPr id="8" name="직사각형 7">
+            <a:extLst>
+              <a:ext uri="{FF2B5EF4-FFF2-40B4-BE49-F238E27FC236}">
+                <a16:creationId xmlns:a16="http://schemas.microsoft.com/office/drawing/2014/main" id="{D0CEE21B-2F57-E10E-3499-F7D28D2EE56C}"/>
+              </a:ext>
+            </a:extLst>
+          </p:cNvPr>
+          <p:cNvSpPr/>
+          <p:nvPr/>
+        </p:nvSpPr>
+        <p:spPr>
+          <a:xfrm>
+            <a:off x="333156" y="2358615"/>
+            <a:ext cx="5475767" cy="3616884"/>
+          </a:xfrm>
+          <a:prstGeom prst="rect">
+            <a:avLst/>
+          </a:prstGeom>
+        </p:spPr>
+        <p:style>
+          <a:lnRef idx="3">
+            <a:schemeClr val="lt1"/>
+          </a:lnRef>
+          <a:fillRef idx="1">
+            <a:schemeClr val="accent3"/>
+          </a:fillRef>
+          <a:effectRef idx="1">
+            <a:schemeClr val="accent3"/>
+          </a:effectRef>
+          <a:fontRef idx="minor">
+            <a:schemeClr val="lt1"/>
+          </a:fontRef>
+        </p:style>
+        <p:txBody>
+          <a:bodyPr rtlCol="0" anchor="t"/>
+          <a:lstStyle/>
+          <a:p>
+            <a:r>
+              <a:rPr kumimoji="1" lang="en-US" altLang="ko-Kore-KR" dirty="0"/>
+              <a:t>Thread()</a:t>
+            </a:r>
+            <a:endParaRPr kumimoji="1" lang="ko-Kore-KR" altLang="en-US" dirty="0"/>
+          </a:p>
+        </p:txBody>
+      </p:sp>
+      <p:sp>
+        <p:nvSpPr>
+          <p:cNvPr id="9" name="직사각형 8">
+            <a:extLst>
+              <a:ext uri="{FF2B5EF4-FFF2-40B4-BE49-F238E27FC236}">
+                <a16:creationId xmlns:a16="http://schemas.microsoft.com/office/drawing/2014/main" id="{53A229E7-4CC5-7428-D951-6C96FA0A0591}"/>
+              </a:ext>
+            </a:extLst>
+          </p:cNvPr>
+          <p:cNvSpPr/>
+          <p:nvPr/>
+        </p:nvSpPr>
+        <p:spPr>
+          <a:xfrm>
+            <a:off x="460747" y="2806996"/>
+            <a:ext cx="4671235" cy="2892055"/>
+          </a:xfrm>
+          <a:prstGeom prst="rect">
+            <a:avLst/>
+          </a:prstGeom>
+        </p:spPr>
+        <p:style>
+          <a:lnRef idx="3">
+            <a:schemeClr val="lt1"/>
+          </a:lnRef>
+          <a:fillRef idx="1">
+            <a:schemeClr val="accent5"/>
+          </a:fillRef>
+          <a:effectRef idx="1">
+            <a:schemeClr val="accent5"/>
+          </a:effectRef>
+          <a:fontRef idx="minor">
+            <a:schemeClr val="lt1"/>
+          </a:fontRef>
+        </p:style>
+        <p:txBody>
+          <a:bodyPr rtlCol="0" anchor="t"/>
+          <a:lstStyle/>
+          <a:p>
+            <a:r>
+              <a:rPr kumimoji="1" lang="en-US" altLang="ko-Kore-KR" dirty="0"/>
+              <a:t>run()</a:t>
+            </a:r>
+            <a:endParaRPr kumimoji="1" lang="ko-Kore-KR" altLang="en-US" dirty="0"/>
+          </a:p>
+        </p:txBody>
+      </p:sp>
+      <p:sp>
+        <p:nvSpPr>
+          <p:cNvPr id="10" name="TextBox 9">
+            <a:extLst>
+              <a:ext uri="{FF2B5EF4-FFF2-40B4-BE49-F238E27FC236}">
+                <a16:creationId xmlns:a16="http://schemas.microsoft.com/office/drawing/2014/main" id="{E1625D70-B566-F717-B362-388D11C9740E}"/>
+              </a:ext>
+            </a:extLst>
+          </p:cNvPr>
+          <p:cNvSpPr txBox="1"/>
+          <p:nvPr/>
+        </p:nvSpPr>
+        <p:spPr>
+          <a:xfrm>
+            <a:off x="333156" y="1765850"/>
+            <a:ext cx="4167963" cy="338554"/>
+          </a:xfrm>
+          <a:prstGeom prst="rect">
+            <a:avLst/>
+          </a:prstGeom>
+        </p:spPr>
+        <p:style>
+          <a:lnRef idx="2">
+            <a:schemeClr val="dk1"/>
+          </a:lnRef>
+          <a:fillRef idx="1">
+            <a:schemeClr val="lt1"/>
+          </a:fillRef>
+          <a:effectRef idx="0">
+            <a:schemeClr val="dk1"/>
+          </a:effectRef>
+          <a:fontRef idx="minor">
+            <a:schemeClr val="dk1"/>
+          </a:fontRef>
+        </p:style>
+        <p:txBody>
+          <a:bodyPr wrap="square" rtlCol="0">
+            <a:spAutoFit/>
+          </a:bodyPr>
+          <a:lstStyle/>
+          <a:p>
+            <a:r>
+              <a:rPr kumimoji="1" lang="en-US" altLang="ko-Kore-KR" sz="1600" dirty="0"/>
+              <a:t>Socket socket = </a:t>
+            </a:r>
+            <a:r>
+              <a:rPr kumimoji="1" lang="en-US" altLang="ko-Kore-KR" sz="1600" dirty="0" err="1"/>
+              <a:t>serverSocket.accept</a:t>
+            </a:r>
+            <a:r>
+              <a:rPr kumimoji="1" lang="en-US" altLang="ko-Kore-KR" sz="1600" dirty="0"/>
+              <a:t>();</a:t>
+            </a:r>
+            <a:endParaRPr kumimoji="1" lang="ko-Kore-KR" altLang="en-US" sz="1600" dirty="0"/>
+          </a:p>
+        </p:txBody>
+      </p:sp>
+      <p:sp>
+        <p:nvSpPr>
+          <p:cNvPr id="11" name="TextBox 10">
+            <a:extLst>
+              <a:ext uri="{FF2B5EF4-FFF2-40B4-BE49-F238E27FC236}">
+                <a16:creationId xmlns:a16="http://schemas.microsoft.com/office/drawing/2014/main" id="{1B92B99A-E86D-0FD8-BEE7-DF4ADE1347D5}"/>
+              </a:ext>
+            </a:extLst>
+          </p:cNvPr>
+          <p:cNvSpPr txBox="1"/>
+          <p:nvPr/>
+        </p:nvSpPr>
+        <p:spPr>
+          <a:xfrm>
+            <a:off x="549352" y="3350945"/>
             <a:ext cx="4167963" cy="338554"/>
           </a:xfrm>
           <a:prstGeom prst="rect">
@@ -4940,6 +5195,643 @@
           <a:chExt cx="0" cy="0"/>
         </a:xfrm>
       </p:grpSpPr>
+      <p:sp>
+        <p:nvSpPr>
+          <p:cNvPr id="2" name="직사각형 1">
+            <a:extLst>
+              <a:ext uri="{FF2B5EF4-FFF2-40B4-BE49-F238E27FC236}">
+                <a16:creationId xmlns:a16="http://schemas.microsoft.com/office/drawing/2014/main" id="{F04DFCCF-1ACC-6229-4C90-EDE094D65C04}"/>
+              </a:ext>
+            </a:extLst>
+          </p:cNvPr>
+          <p:cNvSpPr/>
+          <p:nvPr/>
+        </p:nvSpPr>
+        <p:spPr>
+          <a:xfrm>
+            <a:off x="1031359" y="1663995"/>
+            <a:ext cx="1222744" cy="776177"/>
+          </a:xfrm>
+          <a:prstGeom prst="rect">
+            <a:avLst/>
+          </a:prstGeom>
+        </p:spPr>
+        <p:style>
+          <a:lnRef idx="2">
+            <a:schemeClr val="accent1">
+              <a:shade val="50000"/>
+            </a:schemeClr>
+          </a:lnRef>
+          <a:fillRef idx="1">
+            <a:schemeClr val="accent1"/>
+          </a:fillRef>
+          <a:effectRef idx="0">
+            <a:schemeClr val="accent1"/>
+          </a:effectRef>
+          <a:fontRef idx="minor">
+            <a:schemeClr val="lt1"/>
+          </a:fontRef>
+        </p:style>
+        <p:txBody>
+          <a:bodyPr rtlCol="0" anchor="ctr"/>
+          <a:lstStyle/>
+          <a:p>
+            <a:pPr algn="ctr"/>
+            <a:r>
+              <a:rPr kumimoji="1" lang="en-US" altLang="ko-Kore-KR" dirty="0" err="1"/>
+              <a:t>java.exe</a:t>
+            </a:r>
+            <a:endParaRPr kumimoji="1" lang="ko-Kore-KR" altLang="en-US" dirty="0"/>
+          </a:p>
+        </p:txBody>
+      </p:sp>
+      <p:sp>
+        <p:nvSpPr>
+          <p:cNvPr id="3" name="직사각형 2">
+            <a:extLst>
+              <a:ext uri="{FF2B5EF4-FFF2-40B4-BE49-F238E27FC236}">
+                <a16:creationId xmlns:a16="http://schemas.microsoft.com/office/drawing/2014/main" id="{531BC5BA-8741-67E8-459F-DD88FC99B29E}"/>
+              </a:ext>
+            </a:extLst>
+          </p:cNvPr>
+          <p:cNvSpPr/>
+          <p:nvPr/>
+        </p:nvSpPr>
+        <p:spPr>
+          <a:xfrm>
+            <a:off x="3289006" y="1520456"/>
+            <a:ext cx="1740194" cy="1063256"/>
+          </a:xfrm>
+          <a:prstGeom prst="rect">
+            <a:avLst/>
+          </a:prstGeom>
+        </p:spPr>
+        <p:style>
+          <a:lnRef idx="2">
+            <a:schemeClr val="accent1">
+              <a:shade val="50000"/>
+            </a:schemeClr>
+          </a:lnRef>
+          <a:fillRef idx="1">
+            <a:schemeClr val="accent1"/>
+          </a:fillRef>
+          <a:effectRef idx="0">
+            <a:schemeClr val="accent1"/>
+          </a:effectRef>
+          <a:fontRef idx="minor">
+            <a:schemeClr val="lt1"/>
+          </a:fontRef>
+        </p:style>
+        <p:txBody>
+          <a:bodyPr rtlCol="0" anchor="ctr"/>
+          <a:lstStyle/>
+          <a:p>
+            <a:pPr algn="ctr"/>
+            <a:r>
+              <a:rPr kumimoji="1" lang="en-US" altLang="ko-Kore-KR" dirty="0"/>
+              <a:t>“main”</a:t>
+            </a:r>
+          </a:p>
+          <a:p>
+            <a:pPr algn="ctr"/>
+            <a:r>
+              <a:rPr kumimoji="1" lang="en-US" altLang="ko-Kore-KR" dirty="0"/>
+              <a:t>Thread</a:t>
+            </a:r>
+            <a:endParaRPr kumimoji="1" lang="ko-Kore-KR" altLang="en-US" dirty="0"/>
+          </a:p>
+        </p:txBody>
+      </p:sp>
+      <p:cxnSp>
+        <p:nvCxnSpPr>
+          <p:cNvPr id="5" name="직선 화살표 연결선 4">
+            <a:extLst>
+              <a:ext uri="{FF2B5EF4-FFF2-40B4-BE49-F238E27FC236}">
+                <a16:creationId xmlns:a16="http://schemas.microsoft.com/office/drawing/2014/main" id="{3143A712-A15B-766C-9A72-E10DAA62D057}"/>
+              </a:ext>
+            </a:extLst>
+          </p:cNvPr>
+          <p:cNvCxnSpPr>
+            <a:stCxn id="2" idx="3"/>
+            <a:endCxn id="3" idx="1"/>
+          </p:cNvCxnSpPr>
+          <p:nvPr/>
+        </p:nvCxnSpPr>
+        <p:spPr>
+          <a:xfrm>
+            <a:off x="2254103" y="2052084"/>
+            <a:ext cx="1034903" cy="0"/>
+          </a:xfrm>
+          <a:prstGeom prst="straightConnector1">
+            <a:avLst/>
+          </a:prstGeom>
+          <a:ln>
+            <a:tailEnd type="triangle"/>
+          </a:ln>
+        </p:spPr>
+        <p:style>
+          <a:lnRef idx="3">
+            <a:schemeClr val="accent1"/>
+          </a:lnRef>
+          <a:fillRef idx="0">
+            <a:schemeClr val="accent1"/>
+          </a:fillRef>
+          <a:effectRef idx="2">
+            <a:schemeClr val="accent1"/>
+          </a:effectRef>
+          <a:fontRef idx="minor">
+            <a:schemeClr val="tx1"/>
+          </a:fontRef>
+        </p:style>
+      </p:cxnSp>
+      <p:sp>
+        <p:nvSpPr>
+          <p:cNvPr id="7" name="TextBox 6">
+            <a:extLst>
+              <a:ext uri="{FF2B5EF4-FFF2-40B4-BE49-F238E27FC236}">
+                <a16:creationId xmlns:a16="http://schemas.microsoft.com/office/drawing/2014/main" id="{56015445-E1EA-F955-F2A0-799C371C63A9}"/>
+              </a:ext>
+            </a:extLst>
+          </p:cNvPr>
+          <p:cNvSpPr txBox="1"/>
+          <p:nvPr/>
+        </p:nvSpPr>
+        <p:spPr>
+          <a:xfrm>
+            <a:off x="6651289" y="1821250"/>
+            <a:ext cx="5155990" cy="461665"/>
+          </a:xfrm>
+          <a:prstGeom prst="rect">
+            <a:avLst/>
+          </a:prstGeom>
+        </p:spPr>
+        <p:style>
+          <a:lnRef idx="2">
+            <a:schemeClr val="dk1"/>
+          </a:lnRef>
+          <a:fillRef idx="1">
+            <a:schemeClr val="lt1"/>
+          </a:fillRef>
+          <a:effectRef idx="0">
+            <a:schemeClr val="dk1"/>
+          </a:effectRef>
+          <a:fontRef idx="minor">
+            <a:schemeClr val="dk1"/>
+          </a:fontRef>
+        </p:style>
+        <p:txBody>
+          <a:bodyPr wrap="square" rtlCol="0">
+            <a:spAutoFit/>
+          </a:bodyPr>
+          <a:lstStyle/>
+          <a:p>
+            <a:r>
+              <a:rPr kumimoji="1" lang="en-US" altLang="ko-KR" sz="1200" dirty="0"/>
+              <a:t>main(){</a:t>
+            </a:r>
+            <a:r>
+              <a:rPr kumimoji="1" lang="en-US" altLang="ko-KR" sz="1200" dirty="0">
+                <a:sym typeface="Wingdings" pitchFamily="2" charset="2"/>
+              </a:rPr>
+              <a:t>                             </a:t>
+            </a:r>
+            <a:r>
+              <a:rPr kumimoji="1" lang="en-US" altLang="ko-KR" sz="1200" dirty="0"/>
+              <a:t>                                      </a:t>
+            </a:r>
+            <a:r>
+              <a:rPr kumimoji="1" lang="en-US" altLang="ko-KR" sz="1200" dirty="0">
+                <a:sym typeface="Wingdings" pitchFamily="2" charset="2"/>
+              </a:rPr>
+              <a:t></a:t>
+            </a:r>
+            <a:r>
+              <a:rPr kumimoji="1" lang="ko-KR" altLang="en-US" sz="1200" dirty="0">
+                <a:sym typeface="Wingdings" pitchFamily="2" charset="2"/>
+              </a:rPr>
+              <a:t> </a:t>
+            </a:r>
+            <a:r>
+              <a:rPr kumimoji="1" lang="en-US" altLang="ko-KR" sz="1200" dirty="0">
+                <a:sym typeface="Wingdings" pitchFamily="2" charset="2"/>
+              </a:rPr>
+              <a:t> </a:t>
+            </a:r>
+            <a:r>
+              <a:rPr kumimoji="1" lang="ko-KR" altLang="en-US" sz="1200" dirty="0">
+                <a:sym typeface="Wingdings" pitchFamily="2" charset="2"/>
+              </a:rPr>
+              <a:t>   </a:t>
+            </a:r>
+            <a:r>
+              <a:rPr kumimoji="1" lang="en-US" altLang="ko-KR" sz="1200" dirty="0"/>
+              <a:t>}</a:t>
+            </a:r>
+          </a:p>
+          <a:p>
+            <a:pPr algn="r"/>
+            <a:r>
+              <a:rPr kumimoji="1" lang="ko-KR" altLang="en-US" sz="1200" dirty="0"/>
+              <a:t>끝날 때까지 실행</a:t>
+            </a:r>
+            <a:endParaRPr kumimoji="1" lang="ko-Kore-KR" altLang="en-US" sz="1200" dirty="0"/>
+          </a:p>
+        </p:txBody>
+      </p:sp>
+      <p:cxnSp>
+        <p:nvCxnSpPr>
+          <p:cNvPr id="8" name="직선 화살표 연결선 7">
+            <a:extLst>
+              <a:ext uri="{FF2B5EF4-FFF2-40B4-BE49-F238E27FC236}">
+                <a16:creationId xmlns:a16="http://schemas.microsoft.com/office/drawing/2014/main" id="{8D9AA769-5776-E1EA-0BA2-5D1121DF0395}"/>
+              </a:ext>
+            </a:extLst>
+          </p:cNvPr>
+          <p:cNvCxnSpPr>
+            <a:cxnSpLocks/>
+            <a:stCxn id="3" idx="3"/>
+            <a:endCxn id="7" idx="1"/>
+          </p:cNvCxnSpPr>
+          <p:nvPr/>
+        </p:nvCxnSpPr>
+        <p:spPr>
+          <a:xfrm flipV="1">
+            <a:off x="5029200" y="2052083"/>
+            <a:ext cx="1622089" cy="1"/>
+          </a:xfrm>
+          <a:prstGeom prst="straightConnector1">
+            <a:avLst/>
+          </a:prstGeom>
+          <a:ln>
+            <a:tailEnd type="triangle"/>
+          </a:ln>
+        </p:spPr>
+        <p:style>
+          <a:lnRef idx="3">
+            <a:schemeClr val="accent1"/>
+          </a:lnRef>
+          <a:fillRef idx="0">
+            <a:schemeClr val="accent1"/>
+          </a:fillRef>
+          <a:effectRef idx="2">
+            <a:schemeClr val="accent1"/>
+          </a:effectRef>
+          <a:fontRef idx="minor">
+            <a:schemeClr val="tx1"/>
+          </a:fontRef>
+        </p:style>
+      </p:cxnSp>
+      <p:sp>
+        <p:nvSpPr>
+          <p:cNvPr id="11" name="TextBox 10">
+            <a:extLst>
+              <a:ext uri="{FF2B5EF4-FFF2-40B4-BE49-F238E27FC236}">
+                <a16:creationId xmlns:a16="http://schemas.microsoft.com/office/drawing/2014/main" id="{73EEF173-26F0-B6F8-4204-4CC295170BCD}"/>
+              </a:ext>
+            </a:extLst>
+          </p:cNvPr>
+          <p:cNvSpPr txBox="1"/>
+          <p:nvPr/>
+        </p:nvSpPr>
+        <p:spPr>
+          <a:xfrm>
+            <a:off x="2468527" y="1636584"/>
+            <a:ext cx="606055" cy="276999"/>
+          </a:xfrm>
+          <a:prstGeom prst="rect">
+            <a:avLst/>
+          </a:prstGeom>
+        </p:spPr>
+        <p:style>
+          <a:lnRef idx="2">
+            <a:schemeClr val="accent1"/>
+          </a:lnRef>
+          <a:fillRef idx="1">
+            <a:schemeClr val="lt1"/>
+          </a:fillRef>
+          <a:effectRef idx="0">
+            <a:schemeClr val="accent1"/>
+          </a:effectRef>
+          <a:fontRef idx="minor">
+            <a:schemeClr val="dk1"/>
+          </a:fontRef>
+        </p:style>
+        <p:txBody>
+          <a:bodyPr wrap="square" rtlCol="0">
+            <a:spAutoFit/>
+          </a:bodyPr>
+          <a:lstStyle/>
+          <a:p>
+            <a:pPr algn="ctr"/>
+            <a:r>
+              <a:rPr kumimoji="1" lang="ko-KR" altLang="en-US" sz="1200" dirty="0"/>
+              <a:t>생성</a:t>
+            </a:r>
+            <a:endParaRPr kumimoji="1" lang="ko-Kore-KR" altLang="en-US" sz="1200" dirty="0"/>
+          </a:p>
+        </p:txBody>
+      </p:sp>
+      <p:sp>
+        <p:nvSpPr>
+          <p:cNvPr id="12" name="TextBox 11">
+            <a:extLst>
+              <a:ext uri="{FF2B5EF4-FFF2-40B4-BE49-F238E27FC236}">
+                <a16:creationId xmlns:a16="http://schemas.microsoft.com/office/drawing/2014/main" id="{329A265B-080F-350B-B4A2-0B64512A67F1}"/>
+              </a:ext>
+            </a:extLst>
+          </p:cNvPr>
+          <p:cNvSpPr txBox="1"/>
+          <p:nvPr/>
+        </p:nvSpPr>
+        <p:spPr>
+          <a:xfrm>
+            <a:off x="2468527" y="2301672"/>
+            <a:ext cx="606055" cy="276999"/>
+          </a:xfrm>
+          <a:prstGeom prst="rect">
+            <a:avLst/>
+          </a:prstGeom>
+        </p:spPr>
+        <p:style>
+          <a:lnRef idx="2">
+            <a:schemeClr val="accent1"/>
+          </a:lnRef>
+          <a:fillRef idx="1">
+            <a:schemeClr val="lt1"/>
+          </a:fillRef>
+          <a:effectRef idx="0">
+            <a:schemeClr val="accent1"/>
+          </a:effectRef>
+          <a:fontRef idx="minor">
+            <a:schemeClr val="dk1"/>
+          </a:fontRef>
+        </p:style>
+        <p:txBody>
+          <a:bodyPr wrap="square" rtlCol="0">
+            <a:spAutoFit/>
+          </a:bodyPr>
+          <a:lstStyle/>
+          <a:p>
+            <a:pPr algn="ctr"/>
+            <a:r>
+              <a:rPr kumimoji="1" lang="en-US" altLang="ko-KR" sz="1200" dirty="0"/>
+              <a:t>start()</a:t>
+            </a:r>
+            <a:endParaRPr kumimoji="1" lang="ko-Kore-KR" altLang="en-US" sz="1200" dirty="0"/>
+          </a:p>
+        </p:txBody>
+      </p:sp>
+      <p:sp>
+        <p:nvSpPr>
+          <p:cNvPr id="13" name="TextBox 12">
+            <a:extLst>
+              <a:ext uri="{FF2B5EF4-FFF2-40B4-BE49-F238E27FC236}">
+                <a16:creationId xmlns:a16="http://schemas.microsoft.com/office/drawing/2014/main" id="{58FB68D0-5B06-E3C7-57E4-DB12610BA144}"/>
+              </a:ext>
+            </a:extLst>
+          </p:cNvPr>
+          <p:cNvSpPr txBox="1"/>
+          <p:nvPr/>
+        </p:nvSpPr>
+        <p:spPr>
+          <a:xfrm>
+            <a:off x="2468526" y="3152001"/>
+            <a:ext cx="606055" cy="276999"/>
+          </a:xfrm>
+          <a:prstGeom prst="rect">
+            <a:avLst/>
+          </a:prstGeom>
+        </p:spPr>
+        <p:style>
+          <a:lnRef idx="2">
+            <a:schemeClr val="accent1"/>
+          </a:lnRef>
+          <a:fillRef idx="1">
+            <a:schemeClr val="lt1"/>
+          </a:fillRef>
+          <a:effectRef idx="0">
+            <a:schemeClr val="accent1"/>
+          </a:effectRef>
+          <a:fontRef idx="minor">
+            <a:schemeClr val="dk1"/>
+          </a:fontRef>
+        </p:style>
+        <p:txBody>
+          <a:bodyPr wrap="square" rtlCol="0">
+            <a:spAutoFit/>
+          </a:bodyPr>
+          <a:lstStyle/>
+          <a:p>
+            <a:pPr algn="ctr"/>
+            <a:r>
+              <a:rPr kumimoji="1" lang="en-US" altLang="ko-KR" sz="1200" dirty="0"/>
+              <a:t>run()</a:t>
+            </a:r>
+            <a:endParaRPr kumimoji="1" lang="ko-Kore-KR" altLang="en-US" sz="1200" dirty="0"/>
+          </a:p>
+        </p:txBody>
+      </p:sp>
+      <p:sp>
+        <p:nvSpPr>
+          <p:cNvPr id="14" name="TextBox 13">
+            <a:extLst>
+              <a:ext uri="{FF2B5EF4-FFF2-40B4-BE49-F238E27FC236}">
+                <a16:creationId xmlns:a16="http://schemas.microsoft.com/office/drawing/2014/main" id="{F9250326-AC3B-A407-A639-A12C38DC3141}"/>
+              </a:ext>
+            </a:extLst>
+          </p:cNvPr>
+          <p:cNvSpPr txBox="1"/>
+          <p:nvPr/>
+        </p:nvSpPr>
+        <p:spPr>
+          <a:xfrm>
+            <a:off x="5537217" y="1632258"/>
+            <a:ext cx="606055" cy="276999"/>
+          </a:xfrm>
+          <a:prstGeom prst="rect">
+            <a:avLst/>
+          </a:prstGeom>
+        </p:spPr>
+        <p:style>
+          <a:lnRef idx="2">
+            <a:schemeClr val="accent1"/>
+          </a:lnRef>
+          <a:fillRef idx="1">
+            <a:schemeClr val="lt1"/>
+          </a:fillRef>
+          <a:effectRef idx="0">
+            <a:schemeClr val="accent1"/>
+          </a:effectRef>
+          <a:fontRef idx="minor">
+            <a:schemeClr val="dk1"/>
+          </a:fontRef>
+        </p:style>
+        <p:txBody>
+          <a:bodyPr wrap="square" rtlCol="0">
+            <a:spAutoFit/>
+          </a:bodyPr>
+          <a:lstStyle/>
+          <a:p>
+            <a:pPr algn="ctr"/>
+            <a:r>
+              <a:rPr kumimoji="1" lang="en-US" altLang="ko-KR" sz="1200" dirty="0"/>
+              <a:t>call()</a:t>
+            </a:r>
+            <a:endParaRPr kumimoji="1" lang="ko-Kore-KR" altLang="en-US" sz="1200" dirty="0"/>
+          </a:p>
+        </p:txBody>
+      </p:sp>
+      <p:cxnSp>
+        <p:nvCxnSpPr>
+          <p:cNvPr id="15" name="직선 화살표 연결선 14">
+            <a:extLst>
+              <a:ext uri="{FF2B5EF4-FFF2-40B4-BE49-F238E27FC236}">
+                <a16:creationId xmlns:a16="http://schemas.microsoft.com/office/drawing/2014/main" id="{54A69EC4-B678-DC00-69A0-7E30B888C10B}"/>
+              </a:ext>
+            </a:extLst>
+          </p:cNvPr>
+          <p:cNvCxnSpPr>
+            <a:cxnSpLocks/>
+            <a:stCxn id="11" idx="2"/>
+            <a:endCxn id="12" idx="0"/>
+          </p:cNvCxnSpPr>
+          <p:nvPr/>
+        </p:nvCxnSpPr>
+        <p:spPr>
+          <a:xfrm>
+            <a:off x="2771555" y="1913583"/>
+            <a:ext cx="0" cy="388089"/>
+          </a:xfrm>
+          <a:prstGeom prst="straightConnector1">
+            <a:avLst/>
+          </a:prstGeom>
+          <a:ln>
+            <a:tailEnd type="triangle"/>
+          </a:ln>
+        </p:spPr>
+        <p:style>
+          <a:lnRef idx="3">
+            <a:schemeClr val="accent1"/>
+          </a:lnRef>
+          <a:fillRef idx="0">
+            <a:schemeClr val="accent1"/>
+          </a:fillRef>
+          <a:effectRef idx="2">
+            <a:schemeClr val="accent1"/>
+          </a:effectRef>
+          <a:fontRef idx="minor">
+            <a:schemeClr val="tx1"/>
+          </a:fontRef>
+        </p:style>
+      </p:cxnSp>
+      <p:cxnSp>
+        <p:nvCxnSpPr>
+          <p:cNvPr id="18" name="직선 화살표 연결선 17">
+            <a:extLst>
+              <a:ext uri="{FF2B5EF4-FFF2-40B4-BE49-F238E27FC236}">
+                <a16:creationId xmlns:a16="http://schemas.microsoft.com/office/drawing/2014/main" id="{3FD19A1B-36ED-79AE-8530-E495D2AA63A4}"/>
+              </a:ext>
+            </a:extLst>
+          </p:cNvPr>
+          <p:cNvCxnSpPr>
+            <a:cxnSpLocks/>
+            <a:stCxn id="12" idx="2"/>
+            <a:endCxn id="13" idx="0"/>
+          </p:cNvCxnSpPr>
+          <p:nvPr/>
+        </p:nvCxnSpPr>
+        <p:spPr>
+          <a:xfrm flipH="1">
+            <a:off x="2771554" y="2578671"/>
+            <a:ext cx="1" cy="573330"/>
+          </a:xfrm>
+          <a:prstGeom prst="straightConnector1">
+            <a:avLst/>
+          </a:prstGeom>
+          <a:ln>
+            <a:tailEnd type="triangle"/>
+          </a:ln>
+        </p:spPr>
+        <p:style>
+          <a:lnRef idx="3">
+            <a:schemeClr val="accent1"/>
+          </a:lnRef>
+          <a:fillRef idx="0">
+            <a:schemeClr val="accent1"/>
+          </a:fillRef>
+          <a:effectRef idx="2">
+            <a:schemeClr val="accent1"/>
+          </a:effectRef>
+          <a:fontRef idx="minor">
+            <a:schemeClr val="tx1"/>
+          </a:fontRef>
+        </p:style>
+      </p:cxnSp>
+      <p:sp>
+        <p:nvSpPr>
+          <p:cNvPr id="22" name="TextBox 21">
+            <a:extLst>
+              <a:ext uri="{FF2B5EF4-FFF2-40B4-BE49-F238E27FC236}">
+                <a16:creationId xmlns:a16="http://schemas.microsoft.com/office/drawing/2014/main" id="{4949A2CB-4C68-8F50-FB58-64FCEDD052D7}"/>
+              </a:ext>
+            </a:extLst>
+          </p:cNvPr>
+          <p:cNvSpPr txBox="1"/>
+          <p:nvPr/>
+        </p:nvSpPr>
+        <p:spPr>
+          <a:xfrm>
+            <a:off x="1003895" y="2588337"/>
+            <a:ext cx="1250207" cy="738664"/>
+          </a:xfrm>
+          <a:prstGeom prst="rect">
+            <a:avLst/>
+          </a:prstGeom>
+        </p:spPr>
+        <p:style>
+          <a:lnRef idx="2">
+            <a:schemeClr val="accent1"/>
+          </a:lnRef>
+          <a:fillRef idx="1">
+            <a:schemeClr val="lt1"/>
+          </a:fillRef>
+          <a:effectRef idx="0">
+            <a:schemeClr val="accent1"/>
+          </a:effectRef>
+          <a:fontRef idx="minor">
+            <a:schemeClr val="dk1"/>
+          </a:fontRef>
+        </p:style>
+        <p:txBody>
+          <a:bodyPr wrap="square" rtlCol="0">
+            <a:spAutoFit/>
+          </a:bodyPr>
+          <a:lstStyle/>
+          <a:p>
+            <a:pPr algn="ctr"/>
+            <a:r>
+              <a:rPr kumimoji="1" lang="en-US" altLang="ko-KR" sz="1200" dirty="0"/>
+              <a:t>JVM</a:t>
+            </a:r>
+          </a:p>
+          <a:p>
+            <a:pPr algn="ctr"/>
+            <a:r>
+              <a:rPr lang="ko-Kore-KR" altLang="en-US" b="1" dirty="0"/>
+              <a:t>↓</a:t>
+            </a:r>
+            <a:endParaRPr kumimoji="1" lang="en-US" altLang="ko-KR" sz="1200" dirty="0"/>
+          </a:p>
+          <a:p>
+            <a:pPr algn="ctr"/>
+            <a:r>
+              <a:rPr kumimoji="1" lang="en-US" altLang="ko-Kore-KR" sz="1200" dirty="0"/>
+              <a:t>process</a:t>
+            </a:r>
+            <a:endParaRPr kumimoji="1" lang="ko-Kore-KR" altLang="en-US" sz="1200" dirty="0"/>
+          </a:p>
+        </p:txBody>
+      </p:sp>
     </p:spTree>
     <p:extLst>
       <p:ext uri="{BB962C8B-B14F-4D97-AF65-F5344CB8AC3E}">
@@ -4970,6 +5862,814 @@
           <a:chExt cx="0" cy="0"/>
         </a:xfrm>
       </p:grpSpPr>
+      <p:sp>
+        <p:nvSpPr>
+          <p:cNvPr id="2" name="직사각형 1">
+            <a:extLst>
+              <a:ext uri="{FF2B5EF4-FFF2-40B4-BE49-F238E27FC236}">
+                <a16:creationId xmlns:a16="http://schemas.microsoft.com/office/drawing/2014/main" id="{EA6D9984-9208-F185-04DF-55901B418FEA}"/>
+              </a:ext>
+            </a:extLst>
+          </p:cNvPr>
+          <p:cNvSpPr/>
+          <p:nvPr/>
+        </p:nvSpPr>
+        <p:spPr>
+          <a:xfrm>
+            <a:off x="1127051" y="202018"/>
+            <a:ext cx="1637414" cy="754912"/>
+          </a:xfrm>
+          <a:prstGeom prst="rect">
+            <a:avLst/>
+          </a:prstGeom>
+        </p:spPr>
+        <p:style>
+          <a:lnRef idx="2">
+            <a:schemeClr val="accent1">
+              <a:shade val="50000"/>
+            </a:schemeClr>
+          </a:lnRef>
+          <a:fillRef idx="1">
+            <a:schemeClr val="accent1"/>
+          </a:fillRef>
+          <a:effectRef idx="0">
+            <a:schemeClr val="accent1"/>
+          </a:effectRef>
+          <a:fontRef idx="minor">
+            <a:schemeClr val="lt1"/>
+          </a:fontRef>
+        </p:style>
+        <p:txBody>
+          <a:bodyPr rtlCol="0" anchor="ctr"/>
+          <a:lstStyle/>
+          <a:p>
+            <a:pPr algn="ctr"/>
+            <a:r>
+              <a:rPr kumimoji="1" lang="en-US" altLang="ko-Kore-KR" dirty="0"/>
+              <a:t>&lt;</a:t>
+            </a:r>
+            <a:r>
+              <a:rPr kumimoji="1" lang="en-US" altLang="ko-KR" dirty="0"/>
+              <a:t>&lt;process&gt;&gt;</a:t>
+            </a:r>
+          </a:p>
+          <a:p>
+            <a:pPr algn="ctr"/>
+            <a:r>
+              <a:rPr kumimoji="1" lang="en-US" altLang="ko-KR" dirty="0"/>
+              <a:t>JVM</a:t>
+            </a:r>
+            <a:endParaRPr kumimoji="1" lang="ko-Kore-KR" altLang="en-US" dirty="0"/>
+          </a:p>
+        </p:txBody>
+      </p:sp>
+      <p:sp>
+        <p:nvSpPr>
+          <p:cNvPr id="3" name="직사각형 2">
+            <a:extLst>
+              <a:ext uri="{FF2B5EF4-FFF2-40B4-BE49-F238E27FC236}">
+                <a16:creationId xmlns:a16="http://schemas.microsoft.com/office/drawing/2014/main" id="{07A1B97A-B649-35B5-1B3D-D93EFAE323F0}"/>
+              </a:ext>
+            </a:extLst>
+          </p:cNvPr>
+          <p:cNvSpPr/>
+          <p:nvPr/>
+        </p:nvSpPr>
+        <p:spPr>
+          <a:xfrm>
+            <a:off x="2477386" y="1362001"/>
+            <a:ext cx="1637414" cy="483782"/>
+          </a:xfrm>
+          <a:prstGeom prst="rect">
+            <a:avLst/>
+          </a:prstGeom>
+        </p:spPr>
+        <p:style>
+          <a:lnRef idx="2">
+            <a:schemeClr val="accent1">
+              <a:shade val="50000"/>
+            </a:schemeClr>
+          </a:lnRef>
+          <a:fillRef idx="1">
+            <a:schemeClr val="accent1"/>
+          </a:fillRef>
+          <a:effectRef idx="0">
+            <a:schemeClr val="accent1"/>
+          </a:effectRef>
+          <a:fontRef idx="minor">
+            <a:schemeClr val="lt1"/>
+          </a:fontRef>
+        </p:style>
+        <p:txBody>
+          <a:bodyPr rtlCol="0" anchor="ctr"/>
+          <a:lstStyle/>
+          <a:p>
+            <a:pPr algn="ctr"/>
+            <a:r>
+              <a:rPr kumimoji="1" lang="en-US" altLang="ko-Kore-KR" dirty="0"/>
+              <a:t>system/</a:t>
+            </a:r>
+            <a:endParaRPr kumimoji="1" lang="ko-Kore-KR" altLang="en-US" dirty="0"/>
+          </a:p>
+        </p:txBody>
+      </p:sp>
+      <p:sp>
+        <p:nvSpPr>
+          <p:cNvPr id="4" name="직사각형 3">
+            <a:extLst>
+              <a:ext uri="{FF2B5EF4-FFF2-40B4-BE49-F238E27FC236}">
+                <a16:creationId xmlns:a16="http://schemas.microsoft.com/office/drawing/2014/main" id="{C34FA3F9-905B-5A65-8432-3A40798325B8}"/>
+              </a:ext>
+            </a:extLst>
+          </p:cNvPr>
+          <p:cNvSpPr/>
+          <p:nvPr/>
+        </p:nvSpPr>
+        <p:spPr>
+          <a:xfrm>
+            <a:off x="3668233" y="2067662"/>
+            <a:ext cx="1637414" cy="483782"/>
+          </a:xfrm>
+          <a:prstGeom prst="rect">
+            <a:avLst/>
+          </a:prstGeom>
+        </p:spPr>
+        <p:style>
+          <a:lnRef idx="2">
+            <a:schemeClr val="accent1">
+              <a:shade val="50000"/>
+            </a:schemeClr>
+          </a:lnRef>
+          <a:fillRef idx="1">
+            <a:schemeClr val="accent1"/>
+          </a:fillRef>
+          <a:effectRef idx="0">
+            <a:schemeClr val="accent1"/>
+          </a:effectRef>
+          <a:fontRef idx="minor">
+            <a:schemeClr val="lt1"/>
+          </a:fontRef>
+        </p:style>
+        <p:txBody>
+          <a:bodyPr rtlCol="0" anchor="ctr"/>
+          <a:lstStyle/>
+          <a:p>
+            <a:pPr algn="ctr"/>
+            <a:r>
+              <a:rPr kumimoji="1" lang="en-US" altLang="ko-Kore-KR" dirty="0"/>
+              <a:t>main/</a:t>
+            </a:r>
+            <a:endParaRPr kumimoji="1" lang="ko-Kore-KR" altLang="en-US" dirty="0"/>
+          </a:p>
+        </p:txBody>
+      </p:sp>
+      <p:sp>
+        <p:nvSpPr>
+          <p:cNvPr id="5" name="직사각형 4">
+            <a:extLst>
+              <a:ext uri="{FF2B5EF4-FFF2-40B4-BE49-F238E27FC236}">
+                <a16:creationId xmlns:a16="http://schemas.microsoft.com/office/drawing/2014/main" id="{B2EA555C-D40A-493F-0B25-E046252C8BA0}"/>
+              </a:ext>
+            </a:extLst>
+          </p:cNvPr>
+          <p:cNvSpPr/>
+          <p:nvPr/>
+        </p:nvSpPr>
+        <p:spPr>
+          <a:xfrm>
+            <a:off x="3668233" y="3259797"/>
+            <a:ext cx="3040912" cy="483782"/>
+          </a:xfrm>
+          <a:prstGeom prst="rect">
+            <a:avLst/>
+          </a:prstGeom>
+        </p:spPr>
+        <p:style>
+          <a:lnRef idx="2">
+            <a:schemeClr val="accent1">
+              <a:shade val="50000"/>
+            </a:schemeClr>
+          </a:lnRef>
+          <a:fillRef idx="1">
+            <a:schemeClr val="accent1"/>
+          </a:fillRef>
+          <a:effectRef idx="0">
+            <a:schemeClr val="accent1"/>
+          </a:effectRef>
+          <a:fontRef idx="minor">
+            <a:schemeClr val="lt1"/>
+          </a:fontRef>
+        </p:style>
+        <p:txBody>
+          <a:bodyPr rtlCol="0" anchor="ctr"/>
+          <a:lstStyle/>
+          <a:p>
+            <a:pPr algn="ctr"/>
+            <a:r>
+              <a:rPr kumimoji="1" lang="en-US" altLang="ko-Kore-KR" dirty="0" err="1"/>
+              <a:t>InnocuousThreadGroup</a:t>
+            </a:r>
+            <a:r>
+              <a:rPr kumimoji="1" lang="en-US" altLang="ko-Kore-KR" dirty="0"/>
+              <a:t>/</a:t>
+            </a:r>
+            <a:endParaRPr kumimoji="1" lang="ko-Kore-KR" altLang="en-US" dirty="0"/>
+          </a:p>
+        </p:txBody>
+      </p:sp>
+      <p:cxnSp>
+        <p:nvCxnSpPr>
+          <p:cNvPr id="9" name="꺾인 연결선[E] 8">
+            <a:extLst>
+              <a:ext uri="{FF2B5EF4-FFF2-40B4-BE49-F238E27FC236}">
+                <a16:creationId xmlns:a16="http://schemas.microsoft.com/office/drawing/2014/main" id="{1A707CA8-55FB-F50B-D553-FA67A3E95B3B}"/>
+              </a:ext>
+            </a:extLst>
+          </p:cNvPr>
+          <p:cNvCxnSpPr>
+            <a:stCxn id="2" idx="2"/>
+            <a:endCxn id="3" idx="1"/>
+          </p:cNvCxnSpPr>
+          <p:nvPr/>
+        </p:nvCxnSpPr>
+        <p:spPr>
+          <a:xfrm rot="16200000" flipH="1">
+            <a:off x="1888091" y="1014597"/>
+            <a:ext cx="646962" cy="531628"/>
+          </a:xfrm>
+          <a:prstGeom prst="bentConnector2">
+            <a:avLst/>
+          </a:prstGeom>
+        </p:spPr>
+        <p:style>
+          <a:lnRef idx="3">
+            <a:schemeClr val="accent1"/>
+          </a:lnRef>
+          <a:fillRef idx="0">
+            <a:schemeClr val="accent1"/>
+          </a:fillRef>
+          <a:effectRef idx="2">
+            <a:schemeClr val="accent1"/>
+          </a:effectRef>
+          <a:fontRef idx="minor">
+            <a:schemeClr val="tx1"/>
+          </a:fontRef>
+        </p:style>
+      </p:cxnSp>
+      <p:cxnSp>
+        <p:nvCxnSpPr>
+          <p:cNvPr id="11" name="꺾인 연결선[E] 10">
+            <a:extLst>
+              <a:ext uri="{FF2B5EF4-FFF2-40B4-BE49-F238E27FC236}">
+                <a16:creationId xmlns:a16="http://schemas.microsoft.com/office/drawing/2014/main" id="{5700EF7E-61E5-C083-FE93-49A8D40F59AB}"/>
+              </a:ext>
+            </a:extLst>
+          </p:cNvPr>
+          <p:cNvCxnSpPr>
+            <a:cxnSpLocks/>
+            <a:stCxn id="3" idx="2"/>
+            <a:endCxn id="4" idx="1"/>
+          </p:cNvCxnSpPr>
+          <p:nvPr/>
+        </p:nvCxnSpPr>
+        <p:spPr>
+          <a:xfrm rot="16200000" flipH="1">
+            <a:off x="3250278" y="1891598"/>
+            <a:ext cx="463770" cy="372140"/>
+          </a:xfrm>
+          <a:prstGeom prst="bentConnector2">
+            <a:avLst/>
+          </a:prstGeom>
+        </p:spPr>
+        <p:style>
+          <a:lnRef idx="3">
+            <a:schemeClr val="accent1"/>
+          </a:lnRef>
+          <a:fillRef idx="0">
+            <a:schemeClr val="accent1"/>
+          </a:fillRef>
+          <a:effectRef idx="2">
+            <a:schemeClr val="accent1"/>
+          </a:effectRef>
+          <a:fontRef idx="minor">
+            <a:schemeClr val="tx1"/>
+          </a:fontRef>
+        </p:style>
+      </p:cxnSp>
+      <p:cxnSp>
+        <p:nvCxnSpPr>
+          <p:cNvPr id="14" name="꺾인 연결선[E] 13">
+            <a:extLst>
+              <a:ext uri="{FF2B5EF4-FFF2-40B4-BE49-F238E27FC236}">
+                <a16:creationId xmlns:a16="http://schemas.microsoft.com/office/drawing/2014/main" id="{6C69A390-1EBC-E8B3-D52D-42616E06341A}"/>
+              </a:ext>
+            </a:extLst>
+          </p:cNvPr>
+          <p:cNvCxnSpPr>
+            <a:cxnSpLocks/>
+            <a:stCxn id="3" idx="2"/>
+            <a:endCxn id="5" idx="1"/>
+          </p:cNvCxnSpPr>
+          <p:nvPr/>
+        </p:nvCxnSpPr>
+        <p:spPr>
+          <a:xfrm rot="16200000" flipH="1">
+            <a:off x="2654211" y="2487665"/>
+            <a:ext cx="1655905" cy="372140"/>
+          </a:xfrm>
+          <a:prstGeom prst="bentConnector2">
+            <a:avLst/>
+          </a:prstGeom>
+        </p:spPr>
+        <p:style>
+          <a:lnRef idx="3">
+            <a:schemeClr val="accent1"/>
+          </a:lnRef>
+          <a:fillRef idx="0">
+            <a:schemeClr val="accent1"/>
+          </a:fillRef>
+          <a:effectRef idx="2">
+            <a:schemeClr val="accent1"/>
+          </a:effectRef>
+          <a:fontRef idx="minor">
+            <a:schemeClr val="tx1"/>
+          </a:fontRef>
+        </p:style>
+      </p:cxnSp>
+      <p:cxnSp>
+        <p:nvCxnSpPr>
+          <p:cNvPr id="18" name="꺾인 연결선[E] 17">
+            <a:extLst>
+              <a:ext uri="{FF2B5EF4-FFF2-40B4-BE49-F238E27FC236}">
+                <a16:creationId xmlns:a16="http://schemas.microsoft.com/office/drawing/2014/main" id="{DC21411A-864C-007D-0573-861EE820C269}"/>
+              </a:ext>
+            </a:extLst>
+          </p:cNvPr>
+          <p:cNvCxnSpPr>
+            <a:cxnSpLocks/>
+            <a:stCxn id="4" idx="2"/>
+            <a:endCxn id="21" idx="1"/>
+          </p:cNvCxnSpPr>
+          <p:nvPr/>
+        </p:nvCxnSpPr>
+        <p:spPr>
+          <a:xfrm rot="16200000" flipH="1">
+            <a:off x="4676767" y="2361616"/>
+            <a:ext cx="322094" cy="701749"/>
+          </a:xfrm>
+          <a:prstGeom prst="bentConnector2">
+            <a:avLst/>
+          </a:prstGeom>
+        </p:spPr>
+        <p:style>
+          <a:lnRef idx="3">
+            <a:schemeClr val="accent1"/>
+          </a:lnRef>
+          <a:fillRef idx="0">
+            <a:schemeClr val="accent1"/>
+          </a:fillRef>
+          <a:effectRef idx="2">
+            <a:schemeClr val="accent1"/>
+          </a:effectRef>
+          <a:fontRef idx="minor">
+            <a:schemeClr val="tx1"/>
+          </a:fontRef>
+        </p:style>
+      </p:cxnSp>
+      <p:sp>
+        <p:nvSpPr>
+          <p:cNvPr id="21" name="TextBox 20">
+            <a:extLst>
+              <a:ext uri="{FF2B5EF4-FFF2-40B4-BE49-F238E27FC236}">
+                <a16:creationId xmlns:a16="http://schemas.microsoft.com/office/drawing/2014/main" id="{CBF0FA3D-5D35-C27E-2201-9304784D1CCF}"/>
+              </a:ext>
+            </a:extLst>
+          </p:cNvPr>
+          <p:cNvSpPr txBox="1"/>
+          <p:nvPr/>
+        </p:nvSpPr>
+        <p:spPr>
+          <a:xfrm>
+            <a:off x="5188689" y="2735038"/>
+            <a:ext cx="922458" cy="276999"/>
+          </a:xfrm>
+          <a:prstGeom prst="rect">
+            <a:avLst/>
+          </a:prstGeom>
+        </p:spPr>
+        <p:style>
+          <a:lnRef idx="2">
+            <a:schemeClr val="accent1"/>
+          </a:lnRef>
+          <a:fillRef idx="1">
+            <a:schemeClr val="lt1"/>
+          </a:fillRef>
+          <a:effectRef idx="0">
+            <a:schemeClr val="accent1"/>
+          </a:effectRef>
+          <a:fontRef idx="minor">
+            <a:schemeClr val="dk1"/>
+          </a:fontRef>
+        </p:style>
+        <p:txBody>
+          <a:bodyPr wrap="square" rtlCol="0">
+            <a:spAutoFit/>
+          </a:bodyPr>
+          <a:lstStyle/>
+          <a:p>
+            <a:pPr algn="ctr"/>
+            <a:r>
+              <a:rPr kumimoji="1" lang="en-US" altLang="ko-KR" sz="1200" dirty="0"/>
+              <a:t>{main}</a:t>
+            </a:r>
+            <a:endParaRPr kumimoji="1" lang="ko-Kore-KR" altLang="en-US" sz="1200" dirty="0"/>
+          </a:p>
+        </p:txBody>
+      </p:sp>
+      <p:cxnSp>
+        <p:nvCxnSpPr>
+          <p:cNvPr id="25" name="꺾인 연결선[E] 24">
+            <a:extLst>
+              <a:ext uri="{FF2B5EF4-FFF2-40B4-BE49-F238E27FC236}">
+                <a16:creationId xmlns:a16="http://schemas.microsoft.com/office/drawing/2014/main" id="{D03CC84F-937D-4EE5-0C94-F04CE679123E}"/>
+              </a:ext>
+            </a:extLst>
+          </p:cNvPr>
+          <p:cNvCxnSpPr>
+            <a:cxnSpLocks/>
+            <a:stCxn id="5" idx="2"/>
+            <a:endCxn id="26" idx="1"/>
+          </p:cNvCxnSpPr>
+          <p:nvPr/>
+        </p:nvCxnSpPr>
+        <p:spPr>
+          <a:xfrm rot="16200000" flipH="1">
+            <a:off x="5352341" y="3579927"/>
+            <a:ext cx="495433" cy="822736"/>
+          </a:xfrm>
+          <a:prstGeom prst="bentConnector2">
+            <a:avLst/>
+          </a:prstGeom>
+        </p:spPr>
+        <p:style>
+          <a:lnRef idx="3">
+            <a:schemeClr val="accent1"/>
+          </a:lnRef>
+          <a:fillRef idx="0">
+            <a:schemeClr val="accent1"/>
+          </a:fillRef>
+          <a:effectRef idx="2">
+            <a:schemeClr val="accent1"/>
+          </a:effectRef>
+          <a:fontRef idx="minor">
+            <a:schemeClr val="tx1"/>
+          </a:fontRef>
+        </p:style>
+      </p:cxnSp>
+      <p:sp>
+        <p:nvSpPr>
+          <p:cNvPr id="26" name="TextBox 25">
+            <a:extLst>
+              <a:ext uri="{FF2B5EF4-FFF2-40B4-BE49-F238E27FC236}">
+                <a16:creationId xmlns:a16="http://schemas.microsoft.com/office/drawing/2014/main" id="{3C9AC790-EB63-8C1A-F8CC-9390837FC66A}"/>
+              </a:ext>
+            </a:extLst>
+          </p:cNvPr>
+          <p:cNvSpPr txBox="1"/>
+          <p:nvPr/>
+        </p:nvSpPr>
+        <p:spPr>
+          <a:xfrm>
+            <a:off x="6011425" y="4100512"/>
+            <a:ext cx="2048054" cy="276999"/>
+          </a:xfrm>
+          <a:prstGeom prst="rect">
+            <a:avLst/>
+          </a:prstGeom>
+        </p:spPr>
+        <p:style>
+          <a:lnRef idx="2">
+            <a:schemeClr val="accent1"/>
+          </a:lnRef>
+          <a:fillRef idx="1">
+            <a:schemeClr val="lt1"/>
+          </a:fillRef>
+          <a:effectRef idx="0">
+            <a:schemeClr val="accent1"/>
+          </a:effectRef>
+          <a:fontRef idx="minor">
+            <a:schemeClr val="dk1"/>
+          </a:fontRef>
+        </p:style>
+        <p:txBody>
+          <a:bodyPr wrap="square" rtlCol="0">
+            <a:spAutoFit/>
+          </a:bodyPr>
+          <a:lstStyle/>
+          <a:p>
+            <a:pPr algn="ctr"/>
+            <a:r>
+              <a:rPr kumimoji="1" lang="en-US" altLang="ko-KR" sz="1200" dirty="0"/>
+              <a:t>{</a:t>
+            </a:r>
+            <a:r>
+              <a:rPr kumimoji="1" lang="en-US" altLang="ko-KR" sz="1200" dirty="0" err="1"/>
+              <a:t>preferenceHandler</a:t>
+            </a:r>
+            <a:r>
+              <a:rPr kumimoji="1" lang="en-US" altLang="ko-KR" sz="1200" dirty="0"/>
+              <a:t>}</a:t>
+            </a:r>
+            <a:endParaRPr kumimoji="1" lang="ko-Kore-KR" altLang="en-US" sz="1200" dirty="0"/>
+          </a:p>
+        </p:txBody>
+      </p:sp>
+      <p:cxnSp>
+        <p:nvCxnSpPr>
+          <p:cNvPr id="30" name="꺾인 연결선[E] 29">
+            <a:extLst>
+              <a:ext uri="{FF2B5EF4-FFF2-40B4-BE49-F238E27FC236}">
+                <a16:creationId xmlns:a16="http://schemas.microsoft.com/office/drawing/2014/main" id="{8BA5985A-2F83-1DCB-AD2E-33CBE465542C}"/>
+              </a:ext>
+            </a:extLst>
+          </p:cNvPr>
+          <p:cNvCxnSpPr>
+            <a:cxnSpLocks/>
+            <a:stCxn id="5" idx="2"/>
+            <a:endCxn id="31" idx="1"/>
+          </p:cNvCxnSpPr>
+          <p:nvPr/>
+        </p:nvCxnSpPr>
+        <p:spPr>
+          <a:xfrm rot="16200000" flipH="1">
+            <a:off x="5092568" y="3839699"/>
+            <a:ext cx="1004344" cy="812103"/>
+          </a:xfrm>
+          <a:prstGeom prst="bentConnector2">
+            <a:avLst/>
+          </a:prstGeom>
+        </p:spPr>
+        <p:style>
+          <a:lnRef idx="3">
+            <a:schemeClr val="accent1"/>
+          </a:lnRef>
+          <a:fillRef idx="0">
+            <a:schemeClr val="accent1"/>
+          </a:fillRef>
+          <a:effectRef idx="2">
+            <a:schemeClr val="accent1"/>
+          </a:effectRef>
+          <a:fontRef idx="minor">
+            <a:schemeClr val="tx1"/>
+          </a:fontRef>
+        </p:style>
+      </p:cxnSp>
+      <p:sp>
+        <p:nvSpPr>
+          <p:cNvPr id="31" name="TextBox 30">
+            <a:extLst>
+              <a:ext uri="{FF2B5EF4-FFF2-40B4-BE49-F238E27FC236}">
+                <a16:creationId xmlns:a16="http://schemas.microsoft.com/office/drawing/2014/main" id="{65B1DB5A-75B3-C63C-371D-F6E2D7791F36}"/>
+              </a:ext>
+            </a:extLst>
+          </p:cNvPr>
+          <p:cNvSpPr txBox="1"/>
+          <p:nvPr/>
+        </p:nvSpPr>
+        <p:spPr>
+          <a:xfrm>
+            <a:off x="6000792" y="4609423"/>
+            <a:ext cx="2048054" cy="276999"/>
+          </a:xfrm>
+          <a:prstGeom prst="rect">
+            <a:avLst/>
+          </a:prstGeom>
+        </p:spPr>
+        <p:style>
+          <a:lnRef idx="2">
+            <a:schemeClr val="accent1"/>
+          </a:lnRef>
+          <a:fillRef idx="1">
+            <a:schemeClr val="lt1"/>
+          </a:fillRef>
+          <a:effectRef idx="0">
+            <a:schemeClr val="accent1"/>
+          </a:effectRef>
+          <a:fontRef idx="minor">
+            <a:schemeClr val="dk1"/>
+          </a:fontRef>
+        </p:style>
+        <p:txBody>
+          <a:bodyPr wrap="square" rtlCol="0">
+            <a:spAutoFit/>
+          </a:bodyPr>
+          <a:lstStyle/>
+          <a:p>
+            <a:pPr algn="ctr"/>
+            <a:r>
+              <a:rPr kumimoji="1" lang="en-US" altLang="ko-KR" sz="1200" dirty="0"/>
+              <a:t>{Finalizer}</a:t>
+            </a:r>
+            <a:endParaRPr kumimoji="1" lang="ko-Kore-KR" altLang="en-US" sz="1200" dirty="0"/>
+          </a:p>
+        </p:txBody>
+      </p:sp>
+      <p:cxnSp>
+        <p:nvCxnSpPr>
+          <p:cNvPr id="32" name="꺾인 연결선[E] 31">
+            <a:extLst>
+              <a:ext uri="{FF2B5EF4-FFF2-40B4-BE49-F238E27FC236}">
+                <a16:creationId xmlns:a16="http://schemas.microsoft.com/office/drawing/2014/main" id="{94989D93-4637-DE9B-45A8-D86040C379C1}"/>
+              </a:ext>
+            </a:extLst>
+          </p:cNvPr>
+          <p:cNvCxnSpPr>
+            <a:cxnSpLocks/>
+            <a:stCxn id="5" idx="2"/>
+            <a:endCxn id="33" idx="1"/>
+          </p:cNvCxnSpPr>
+          <p:nvPr/>
+        </p:nvCxnSpPr>
+        <p:spPr>
+          <a:xfrm rot="16200000" flipH="1">
+            <a:off x="4843430" y="4088838"/>
+            <a:ext cx="1513255" cy="822736"/>
+          </a:xfrm>
+          <a:prstGeom prst="bentConnector2">
+            <a:avLst/>
+          </a:prstGeom>
+        </p:spPr>
+        <p:style>
+          <a:lnRef idx="3">
+            <a:schemeClr val="accent1"/>
+          </a:lnRef>
+          <a:fillRef idx="0">
+            <a:schemeClr val="accent1"/>
+          </a:fillRef>
+          <a:effectRef idx="2">
+            <a:schemeClr val="accent1"/>
+          </a:effectRef>
+          <a:fontRef idx="minor">
+            <a:schemeClr val="tx1"/>
+          </a:fontRef>
+        </p:style>
+      </p:cxnSp>
+      <p:sp>
+        <p:nvSpPr>
+          <p:cNvPr id="33" name="TextBox 32">
+            <a:extLst>
+              <a:ext uri="{FF2B5EF4-FFF2-40B4-BE49-F238E27FC236}">
+                <a16:creationId xmlns:a16="http://schemas.microsoft.com/office/drawing/2014/main" id="{84D739A2-A021-98EE-0F20-A85FD45C2DA3}"/>
+              </a:ext>
+            </a:extLst>
+          </p:cNvPr>
+          <p:cNvSpPr txBox="1"/>
+          <p:nvPr/>
+        </p:nvSpPr>
+        <p:spPr>
+          <a:xfrm>
+            <a:off x="6011425" y="5118334"/>
+            <a:ext cx="2048054" cy="276999"/>
+          </a:xfrm>
+          <a:prstGeom prst="rect">
+            <a:avLst/>
+          </a:prstGeom>
+        </p:spPr>
+        <p:style>
+          <a:lnRef idx="2">
+            <a:schemeClr val="accent1"/>
+          </a:lnRef>
+          <a:fillRef idx="1">
+            <a:schemeClr val="lt1"/>
+          </a:fillRef>
+          <a:effectRef idx="0">
+            <a:schemeClr val="accent1"/>
+          </a:effectRef>
+          <a:fontRef idx="minor">
+            <a:schemeClr val="dk1"/>
+          </a:fontRef>
+        </p:style>
+        <p:txBody>
+          <a:bodyPr wrap="square" rtlCol="0">
+            <a:spAutoFit/>
+          </a:bodyPr>
+          <a:lstStyle/>
+          <a:p>
+            <a:pPr algn="ctr"/>
+            <a:r>
+              <a:rPr kumimoji="1" lang="en-US" altLang="ko-KR" sz="1200" dirty="0"/>
+              <a:t>{</a:t>
+            </a:r>
+            <a:r>
+              <a:rPr kumimoji="1" lang="en-US" altLang="ko-KR" sz="1200" dirty="0" err="1"/>
+              <a:t>SignalDispatcher</a:t>
+            </a:r>
+            <a:r>
+              <a:rPr kumimoji="1" lang="en-US" altLang="ko-KR" sz="1200" dirty="0"/>
+              <a:t>}</a:t>
+            </a:r>
+            <a:endParaRPr kumimoji="1" lang="ko-Kore-KR" altLang="en-US" sz="1200" dirty="0"/>
+          </a:p>
+        </p:txBody>
+      </p:sp>
+      <p:cxnSp>
+        <p:nvCxnSpPr>
+          <p:cNvPr id="34" name="꺾인 연결선[E] 33">
+            <a:extLst>
+              <a:ext uri="{FF2B5EF4-FFF2-40B4-BE49-F238E27FC236}">
+                <a16:creationId xmlns:a16="http://schemas.microsoft.com/office/drawing/2014/main" id="{C6E71C7E-B9BC-7D6E-BE5E-C356360694E8}"/>
+              </a:ext>
+            </a:extLst>
+          </p:cNvPr>
+          <p:cNvCxnSpPr>
+            <a:cxnSpLocks/>
+            <a:stCxn id="5" idx="2"/>
+            <a:endCxn id="35" idx="1"/>
+          </p:cNvCxnSpPr>
+          <p:nvPr/>
+        </p:nvCxnSpPr>
+        <p:spPr>
+          <a:xfrm rot="16200000" flipH="1">
+            <a:off x="4588974" y="4343294"/>
+            <a:ext cx="2022166" cy="822736"/>
+          </a:xfrm>
+          <a:prstGeom prst="bentConnector2">
+            <a:avLst/>
+          </a:prstGeom>
+        </p:spPr>
+        <p:style>
+          <a:lnRef idx="3">
+            <a:schemeClr val="accent1"/>
+          </a:lnRef>
+          <a:fillRef idx="0">
+            <a:schemeClr val="accent1"/>
+          </a:fillRef>
+          <a:effectRef idx="2">
+            <a:schemeClr val="accent1"/>
+          </a:effectRef>
+          <a:fontRef idx="minor">
+            <a:schemeClr val="tx1"/>
+          </a:fontRef>
+        </p:style>
+      </p:cxnSp>
+      <p:sp>
+        <p:nvSpPr>
+          <p:cNvPr id="35" name="TextBox 34">
+            <a:extLst>
+              <a:ext uri="{FF2B5EF4-FFF2-40B4-BE49-F238E27FC236}">
+                <a16:creationId xmlns:a16="http://schemas.microsoft.com/office/drawing/2014/main" id="{9CD0C9DA-AA32-ED88-63B9-782D3DD0721D}"/>
+              </a:ext>
+            </a:extLst>
+          </p:cNvPr>
+          <p:cNvSpPr txBox="1"/>
+          <p:nvPr/>
+        </p:nvSpPr>
+        <p:spPr>
+          <a:xfrm>
+            <a:off x="6011425" y="5627245"/>
+            <a:ext cx="2048054" cy="276999"/>
+          </a:xfrm>
+          <a:prstGeom prst="rect">
+            <a:avLst/>
+          </a:prstGeom>
+        </p:spPr>
+        <p:style>
+          <a:lnRef idx="2">
+            <a:schemeClr val="accent1"/>
+          </a:lnRef>
+          <a:fillRef idx="1">
+            <a:schemeClr val="lt1"/>
+          </a:fillRef>
+          <a:effectRef idx="0">
+            <a:schemeClr val="accent1"/>
+          </a:effectRef>
+          <a:fontRef idx="minor">
+            <a:schemeClr val="dk1"/>
+          </a:fontRef>
+        </p:style>
+        <p:txBody>
+          <a:bodyPr wrap="square" rtlCol="0">
+            <a:spAutoFit/>
+          </a:bodyPr>
+          <a:lstStyle/>
+          <a:p>
+            <a:pPr algn="ctr"/>
+            <a:r>
+              <a:rPr kumimoji="1" lang="en-US" altLang="ko-KR" sz="1200" dirty="0"/>
+              <a:t>{</a:t>
+            </a:r>
+            <a:r>
+              <a:rPr kumimoji="1" lang="en-US" altLang="ko-KR" sz="1200" dirty="0" err="1"/>
+              <a:t>NotificationThread</a:t>
+            </a:r>
+            <a:r>
+              <a:rPr kumimoji="1" lang="en-US" altLang="ko-KR" sz="1200" dirty="0"/>
+              <a:t>}</a:t>
+            </a:r>
+            <a:endParaRPr kumimoji="1" lang="ko-Kore-KR" altLang="en-US" sz="1200" dirty="0"/>
+          </a:p>
+        </p:txBody>
+      </p:sp>
     </p:spTree>
     <p:extLst>
       <p:ext uri="{BB962C8B-B14F-4D97-AF65-F5344CB8AC3E}">
@@ -5000,6 +6700,825 @@
           <a:chExt cx="0" cy="0"/>
         </a:xfrm>
       </p:grpSpPr>
+      <p:sp>
+        <p:nvSpPr>
+          <p:cNvPr id="3" name="직사각형 2">
+            <a:extLst>
+              <a:ext uri="{FF2B5EF4-FFF2-40B4-BE49-F238E27FC236}">
+                <a16:creationId xmlns:a16="http://schemas.microsoft.com/office/drawing/2014/main" id="{8D5D4886-8E20-48BB-8904-033500667F33}"/>
+              </a:ext>
+            </a:extLst>
+          </p:cNvPr>
+          <p:cNvSpPr/>
+          <p:nvPr/>
+        </p:nvSpPr>
+        <p:spPr>
+          <a:xfrm>
+            <a:off x="935665" y="1105785"/>
+            <a:ext cx="2179675" cy="712382"/>
+          </a:xfrm>
+          <a:prstGeom prst="rect">
+            <a:avLst/>
+          </a:prstGeom>
+        </p:spPr>
+        <p:style>
+          <a:lnRef idx="3">
+            <a:schemeClr val="lt1"/>
+          </a:lnRef>
+          <a:fillRef idx="1">
+            <a:schemeClr val="accent5"/>
+          </a:fillRef>
+          <a:effectRef idx="1">
+            <a:schemeClr val="accent5"/>
+          </a:effectRef>
+          <a:fontRef idx="minor">
+            <a:schemeClr val="lt1"/>
+          </a:fontRef>
+        </p:style>
+        <p:txBody>
+          <a:bodyPr rtlCol="0" anchor="ctr"/>
+          <a:lstStyle/>
+          <a:p>
+            <a:pPr algn="ctr"/>
+            <a:r>
+              <a:rPr kumimoji="1" lang="en-US" altLang="ko-KR" dirty="0"/>
+              <a:t>&lt;&lt;Interface&gt;&gt;</a:t>
+            </a:r>
+          </a:p>
+          <a:p>
+            <a:pPr algn="ctr"/>
+            <a:r>
+              <a:rPr kumimoji="1" lang="en-US" altLang="ko-Kore-KR" dirty="0"/>
+              <a:t>Runnable</a:t>
+            </a:r>
+            <a:endParaRPr kumimoji="1" lang="ko-Kore-KR" altLang="en-US" dirty="0"/>
+          </a:p>
+        </p:txBody>
+      </p:sp>
+      <p:sp>
+        <p:nvSpPr>
+          <p:cNvPr id="4" name="직사각형 3">
+            <a:extLst>
+              <a:ext uri="{FF2B5EF4-FFF2-40B4-BE49-F238E27FC236}">
+                <a16:creationId xmlns:a16="http://schemas.microsoft.com/office/drawing/2014/main" id="{D5BDCC9C-7B7D-8BD2-008A-F5A4A71692D7}"/>
+              </a:ext>
+            </a:extLst>
+          </p:cNvPr>
+          <p:cNvSpPr/>
+          <p:nvPr/>
+        </p:nvSpPr>
+        <p:spPr>
+          <a:xfrm>
+            <a:off x="935665" y="2764464"/>
+            <a:ext cx="2179675" cy="712382"/>
+          </a:xfrm>
+          <a:prstGeom prst="rect">
+            <a:avLst/>
+          </a:prstGeom>
+        </p:spPr>
+        <p:style>
+          <a:lnRef idx="3">
+            <a:schemeClr val="lt1"/>
+          </a:lnRef>
+          <a:fillRef idx="1">
+            <a:schemeClr val="accent1"/>
+          </a:fillRef>
+          <a:effectRef idx="1">
+            <a:schemeClr val="accent1"/>
+          </a:effectRef>
+          <a:fontRef idx="minor">
+            <a:schemeClr val="lt1"/>
+          </a:fontRef>
+        </p:style>
+        <p:txBody>
+          <a:bodyPr rtlCol="0" anchor="ctr"/>
+          <a:lstStyle/>
+          <a:p>
+            <a:pPr algn="ctr"/>
+            <a:r>
+              <a:rPr kumimoji="1" lang="en-US" altLang="ko-Kore-KR" dirty="0" err="1"/>
+              <a:t>MyRunnable</a:t>
+            </a:r>
+            <a:endParaRPr kumimoji="1" lang="ko-Kore-KR" altLang="en-US" dirty="0"/>
+          </a:p>
+        </p:txBody>
+      </p:sp>
+      <p:sp>
+        <p:nvSpPr>
+          <p:cNvPr id="5" name="TextBox 4">
+            <a:extLst>
+              <a:ext uri="{FF2B5EF4-FFF2-40B4-BE49-F238E27FC236}">
+                <a16:creationId xmlns:a16="http://schemas.microsoft.com/office/drawing/2014/main" id="{92CEB970-30F4-E764-3188-DC7C35EFC1C4}"/>
+              </a:ext>
+            </a:extLst>
+          </p:cNvPr>
+          <p:cNvSpPr txBox="1"/>
+          <p:nvPr/>
+        </p:nvSpPr>
+        <p:spPr>
+          <a:xfrm>
+            <a:off x="972878" y="3572539"/>
+            <a:ext cx="2105247" cy="2031325"/>
+          </a:xfrm>
+          <a:prstGeom prst="rect">
+            <a:avLst/>
+          </a:prstGeom>
+        </p:spPr>
+        <p:style>
+          <a:lnRef idx="2">
+            <a:schemeClr val="accent1"/>
+          </a:lnRef>
+          <a:fillRef idx="1">
+            <a:schemeClr val="lt1"/>
+          </a:fillRef>
+          <a:effectRef idx="0">
+            <a:schemeClr val="accent1"/>
+          </a:effectRef>
+          <a:fontRef idx="minor">
+            <a:schemeClr val="dk1"/>
+          </a:fontRef>
+        </p:style>
+        <p:txBody>
+          <a:bodyPr wrap="square" rtlCol="0">
+            <a:spAutoFit/>
+          </a:bodyPr>
+          <a:lstStyle/>
+          <a:p>
+            <a:r>
+              <a:rPr kumimoji="1" lang="en-US" altLang="ko-Kore-KR" dirty="0"/>
+              <a:t>run(){</a:t>
+            </a:r>
+          </a:p>
+          <a:p>
+            <a:r>
+              <a:rPr kumimoji="1" lang="en-US" altLang="ko-Kore-KR" dirty="0"/>
+              <a:t> ---</a:t>
+            </a:r>
+          </a:p>
+          <a:p>
+            <a:r>
+              <a:rPr kumimoji="1" lang="en-US" altLang="ko-Kore-KR" dirty="0"/>
+              <a:t> ---</a:t>
+            </a:r>
+          </a:p>
+          <a:p>
+            <a:r>
+              <a:rPr kumimoji="1" lang="en-US" altLang="ko-Kore-KR" dirty="0"/>
+              <a:t> ---</a:t>
+            </a:r>
+          </a:p>
+          <a:p>
+            <a:r>
+              <a:rPr kumimoji="1" lang="en-US" altLang="ko-Kore-KR" dirty="0"/>
+              <a:t> </a:t>
+            </a:r>
+            <a:r>
+              <a:rPr kumimoji="1" lang="en-US" altLang="ko-Kore-KR" sz="1400" dirty="0"/>
+              <a:t>(</a:t>
+            </a:r>
+            <a:r>
+              <a:rPr kumimoji="1" lang="ko-KR" altLang="en-US" sz="1400" dirty="0"/>
+              <a:t>별도의 실행흐름으로 수행할 코드</a:t>
+            </a:r>
+            <a:r>
+              <a:rPr kumimoji="1" lang="en-US" altLang="ko-KR" sz="1400" dirty="0"/>
+              <a:t>)</a:t>
+            </a:r>
+            <a:endParaRPr kumimoji="1" lang="en-US" altLang="ko-Kore-KR" sz="1400" dirty="0"/>
+          </a:p>
+          <a:p>
+            <a:r>
+              <a:rPr kumimoji="1" lang="en-US" altLang="ko-Kore-KR" dirty="0"/>
+              <a:t>}</a:t>
+            </a:r>
+            <a:endParaRPr kumimoji="1" lang="ko-Kore-KR" altLang="en-US" dirty="0"/>
+          </a:p>
+        </p:txBody>
+      </p:sp>
+      <p:sp>
+        <p:nvSpPr>
+          <p:cNvPr id="7" name="TextBox 6">
+            <a:extLst>
+              <a:ext uri="{FF2B5EF4-FFF2-40B4-BE49-F238E27FC236}">
+                <a16:creationId xmlns:a16="http://schemas.microsoft.com/office/drawing/2014/main" id="{87C0EF06-C82C-CB2A-2862-4CA9F8E6E6AE}"/>
+              </a:ext>
+            </a:extLst>
+          </p:cNvPr>
+          <p:cNvSpPr txBox="1"/>
+          <p:nvPr/>
+        </p:nvSpPr>
+        <p:spPr>
+          <a:xfrm>
+            <a:off x="2414391" y="2152816"/>
+            <a:ext cx="663734" cy="276999"/>
+          </a:xfrm>
+          <a:prstGeom prst="rect">
+            <a:avLst/>
+          </a:prstGeom>
+        </p:spPr>
+        <p:style>
+          <a:lnRef idx="2">
+            <a:schemeClr val="dk1"/>
+          </a:lnRef>
+          <a:fillRef idx="1">
+            <a:schemeClr val="lt1"/>
+          </a:fillRef>
+          <a:effectRef idx="0">
+            <a:schemeClr val="dk1"/>
+          </a:effectRef>
+          <a:fontRef idx="minor">
+            <a:schemeClr val="dk1"/>
+          </a:fontRef>
+        </p:style>
+        <p:txBody>
+          <a:bodyPr wrap="square" rtlCol="0">
+            <a:spAutoFit/>
+          </a:bodyPr>
+          <a:lstStyle/>
+          <a:p>
+            <a:pPr algn="ctr"/>
+            <a:r>
+              <a:rPr kumimoji="1" lang="ko-KR" altLang="en-US" sz="1200" dirty="0"/>
+              <a:t>구현</a:t>
+            </a:r>
+            <a:endParaRPr kumimoji="1" lang="ko-Kore-KR" altLang="en-US" sz="1200" dirty="0"/>
+          </a:p>
+        </p:txBody>
+      </p:sp>
+      <p:cxnSp>
+        <p:nvCxnSpPr>
+          <p:cNvPr id="8" name="꺾인 연결선[E] 7">
+            <a:extLst>
+              <a:ext uri="{FF2B5EF4-FFF2-40B4-BE49-F238E27FC236}">
+                <a16:creationId xmlns:a16="http://schemas.microsoft.com/office/drawing/2014/main" id="{30F3ADAC-5666-32CE-7484-2AFC374D83E5}"/>
+              </a:ext>
+            </a:extLst>
+          </p:cNvPr>
+          <p:cNvCxnSpPr>
+            <a:cxnSpLocks/>
+            <a:stCxn id="4" idx="0"/>
+            <a:endCxn id="3" idx="2"/>
+          </p:cNvCxnSpPr>
+          <p:nvPr/>
+        </p:nvCxnSpPr>
+        <p:spPr>
+          <a:xfrm rot="5400000" flipH="1" flipV="1">
+            <a:off x="1552355" y="2291316"/>
+            <a:ext cx="946297" cy="12700"/>
+          </a:xfrm>
+          <a:prstGeom prst="bentConnector3">
+            <a:avLst>
+              <a:gd name="adj1" fmla="val 50000"/>
+            </a:avLst>
+          </a:prstGeom>
+          <a:ln w="22225" cap="flat" cmpd="sng" algn="ctr">
+            <a:solidFill>
+              <a:schemeClr val="accent5"/>
+            </a:solidFill>
+            <a:prstDash val="dash"/>
+            <a:round/>
+            <a:headEnd type="none" w="med" len="med"/>
+            <a:tailEnd type="none" w="med" len="med"/>
+          </a:ln>
+        </p:spPr>
+        <p:style>
+          <a:lnRef idx="0">
+            <a:scrgbClr r="0" g="0" b="0"/>
+          </a:lnRef>
+          <a:fillRef idx="0">
+            <a:scrgbClr r="0" g="0" b="0"/>
+          </a:fillRef>
+          <a:effectRef idx="0">
+            <a:scrgbClr r="0" g="0" b="0"/>
+          </a:effectRef>
+          <a:fontRef idx="minor">
+            <a:schemeClr val="tx1"/>
+          </a:fontRef>
+        </p:style>
+      </p:cxnSp>
+      <p:sp>
+        <p:nvSpPr>
+          <p:cNvPr id="12" name="삼각형 11">
+            <a:extLst>
+              <a:ext uri="{FF2B5EF4-FFF2-40B4-BE49-F238E27FC236}">
+                <a16:creationId xmlns:a16="http://schemas.microsoft.com/office/drawing/2014/main" id="{1E4E811F-BC4C-004C-6CEE-939C7B0769BB}"/>
+              </a:ext>
+            </a:extLst>
+          </p:cNvPr>
+          <p:cNvSpPr/>
+          <p:nvPr/>
+        </p:nvSpPr>
+        <p:spPr>
+          <a:xfrm>
+            <a:off x="1952109" y="1824517"/>
+            <a:ext cx="159489" cy="137491"/>
+          </a:xfrm>
+          <a:prstGeom prst="triangle">
+            <a:avLst/>
+          </a:prstGeom>
+        </p:spPr>
+        <p:style>
+          <a:lnRef idx="3">
+            <a:schemeClr val="lt1"/>
+          </a:lnRef>
+          <a:fillRef idx="1">
+            <a:schemeClr val="accent5"/>
+          </a:fillRef>
+          <a:effectRef idx="1">
+            <a:schemeClr val="accent5"/>
+          </a:effectRef>
+          <a:fontRef idx="minor">
+            <a:schemeClr val="lt1"/>
+          </a:fontRef>
+        </p:style>
+        <p:txBody>
+          <a:bodyPr rtlCol="0" anchor="ctr"/>
+          <a:lstStyle/>
+          <a:p>
+            <a:pPr algn="ctr"/>
+            <a:endParaRPr kumimoji="1" lang="ko-Kore-KR" altLang="en-US"/>
+          </a:p>
+        </p:txBody>
+      </p:sp>
+      <p:sp>
+        <p:nvSpPr>
+          <p:cNvPr id="13" name="TextBox 12">
+            <a:extLst>
+              <a:ext uri="{FF2B5EF4-FFF2-40B4-BE49-F238E27FC236}">
+                <a16:creationId xmlns:a16="http://schemas.microsoft.com/office/drawing/2014/main" id="{C97E6FC8-FE06-E3C7-0694-D12556145E97}"/>
+              </a:ext>
+            </a:extLst>
+          </p:cNvPr>
+          <p:cNvSpPr txBox="1"/>
+          <p:nvPr/>
+        </p:nvSpPr>
+        <p:spPr>
+          <a:xfrm>
+            <a:off x="3353600" y="1189992"/>
+            <a:ext cx="663734" cy="276999"/>
+          </a:xfrm>
+          <a:prstGeom prst="rect">
+            <a:avLst/>
+          </a:prstGeom>
+        </p:spPr>
+        <p:style>
+          <a:lnRef idx="2">
+            <a:schemeClr val="accent5"/>
+          </a:lnRef>
+          <a:fillRef idx="1">
+            <a:schemeClr val="lt1"/>
+          </a:fillRef>
+          <a:effectRef idx="0">
+            <a:schemeClr val="accent5"/>
+          </a:effectRef>
+          <a:fontRef idx="minor">
+            <a:schemeClr val="dk1"/>
+          </a:fontRef>
+        </p:style>
+        <p:txBody>
+          <a:bodyPr wrap="square" rtlCol="0">
+            <a:spAutoFit/>
+          </a:bodyPr>
+          <a:lstStyle/>
+          <a:p>
+            <a:pPr algn="ctr"/>
+            <a:r>
+              <a:rPr kumimoji="1" lang="en-US" altLang="ko-KR" sz="1200" dirty="0"/>
+              <a:t>run();</a:t>
+            </a:r>
+            <a:endParaRPr kumimoji="1" lang="ko-Kore-KR" altLang="en-US" sz="1200" dirty="0"/>
+          </a:p>
+        </p:txBody>
+      </p:sp>
+      <p:sp>
+        <p:nvSpPr>
+          <p:cNvPr id="14" name="TextBox 13">
+            <a:extLst>
+              <a:ext uri="{FF2B5EF4-FFF2-40B4-BE49-F238E27FC236}">
+                <a16:creationId xmlns:a16="http://schemas.microsoft.com/office/drawing/2014/main" id="{A14A19D1-B7FD-D383-8FE7-0F8E7B2B85DC}"/>
+              </a:ext>
+            </a:extLst>
+          </p:cNvPr>
+          <p:cNvSpPr txBox="1"/>
+          <p:nvPr/>
+        </p:nvSpPr>
+        <p:spPr>
+          <a:xfrm>
+            <a:off x="3789219" y="4036717"/>
+            <a:ext cx="3504715" cy="276999"/>
+          </a:xfrm>
+          <a:prstGeom prst="rect">
+            <a:avLst/>
+          </a:prstGeom>
+        </p:spPr>
+        <p:style>
+          <a:lnRef idx="2">
+            <a:schemeClr val="accent1"/>
+          </a:lnRef>
+          <a:fillRef idx="1">
+            <a:schemeClr val="lt1"/>
+          </a:fillRef>
+          <a:effectRef idx="0">
+            <a:schemeClr val="accent1"/>
+          </a:effectRef>
+          <a:fontRef idx="minor">
+            <a:schemeClr val="dk1"/>
+          </a:fontRef>
+        </p:style>
+        <p:txBody>
+          <a:bodyPr wrap="square" rtlCol="0">
+            <a:spAutoFit/>
+          </a:bodyPr>
+          <a:lstStyle/>
+          <a:p>
+            <a:pPr algn="ctr"/>
+            <a:r>
+              <a:rPr kumimoji="1" lang="en-US" altLang="ko-Kore-KR" sz="1200" dirty="0"/>
+              <a:t>new Thread(new </a:t>
+            </a:r>
+            <a:r>
+              <a:rPr kumimoji="1" lang="en-US" altLang="ko-Kore-KR" sz="1200" dirty="0" err="1"/>
+              <a:t>MyRunnable</a:t>
+            </a:r>
+            <a:r>
+              <a:rPr kumimoji="1" lang="en-US" altLang="ko-Kore-KR" sz="1200" dirty="0"/>
+              <a:t>()).start();</a:t>
+            </a:r>
+            <a:endParaRPr kumimoji="1" lang="ko-Kore-KR" altLang="en-US" sz="1200" dirty="0"/>
+          </a:p>
+        </p:txBody>
+      </p:sp>
+      <p:cxnSp>
+        <p:nvCxnSpPr>
+          <p:cNvPr id="15" name="직선 화살표 연결선 14">
+            <a:extLst>
+              <a:ext uri="{FF2B5EF4-FFF2-40B4-BE49-F238E27FC236}">
+                <a16:creationId xmlns:a16="http://schemas.microsoft.com/office/drawing/2014/main" id="{5C44C7C9-8413-2FA7-3618-4A75D7FD16EC}"/>
+              </a:ext>
+            </a:extLst>
+          </p:cNvPr>
+          <p:cNvCxnSpPr>
+            <a:cxnSpLocks/>
+            <a:stCxn id="14" idx="2"/>
+            <a:endCxn id="17" idx="0"/>
+          </p:cNvCxnSpPr>
+          <p:nvPr/>
+        </p:nvCxnSpPr>
+        <p:spPr>
+          <a:xfrm flipH="1">
+            <a:off x="5541576" y="4313716"/>
+            <a:ext cx="1" cy="657511"/>
+          </a:xfrm>
+          <a:prstGeom prst="straightConnector1">
+            <a:avLst/>
+          </a:prstGeom>
+          <a:ln>
+            <a:tailEnd type="triangle"/>
+          </a:ln>
+        </p:spPr>
+        <p:style>
+          <a:lnRef idx="3">
+            <a:schemeClr val="accent1"/>
+          </a:lnRef>
+          <a:fillRef idx="0">
+            <a:schemeClr val="accent1"/>
+          </a:fillRef>
+          <a:effectRef idx="2">
+            <a:schemeClr val="accent1"/>
+          </a:effectRef>
+          <a:fontRef idx="minor">
+            <a:schemeClr val="tx1"/>
+          </a:fontRef>
+        </p:style>
+      </p:cxnSp>
+      <p:sp>
+        <p:nvSpPr>
+          <p:cNvPr id="17" name="타원 16">
+            <a:extLst>
+              <a:ext uri="{FF2B5EF4-FFF2-40B4-BE49-F238E27FC236}">
+                <a16:creationId xmlns:a16="http://schemas.microsoft.com/office/drawing/2014/main" id="{7F585AB2-A3F8-CFB3-9F8D-AC42903F06BC}"/>
+              </a:ext>
+            </a:extLst>
+          </p:cNvPr>
+          <p:cNvSpPr/>
+          <p:nvPr/>
+        </p:nvSpPr>
+        <p:spPr>
+          <a:xfrm>
+            <a:off x="5270445" y="4971227"/>
+            <a:ext cx="542261" cy="542261"/>
+          </a:xfrm>
+          <a:prstGeom prst="ellipse">
+            <a:avLst/>
+          </a:prstGeom>
+        </p:spPr>
+        <p:style>
+          <a:lnRef idx="3">
+            <a:schemeClr val="lt1"/>
+          </a:lnRef>
+          <a:fillRef idx="1">
+            <a:schemeClr val="accent1"/>
+          </a:fillRef>
+          <a:effectRef idx="1">
+            <a:schemeClr val="accent1"/>
+          </a:effectRef>
+          <a:fontRef idx="minor">
+            <a:schemeClr val="lt1"/>
+          </a:fontRef>
+        </p:style>
+        <p:txBody>
+          <a:bodyPr rtlCol="0" anchor="ctr"/>
+          <a:lstStyle/>
+          <a:p>
+            <a:pPr algn="ctr"/>
+            <a:r>
+              <a:rPr kumimoji="1" lang="en-US" altLang="ko-Kore-KR" dirty="0"/>
+              <a:t>T</a:t>
+            </a:r>
+            <a:endParaRPr kumimoji="1" lang="ko-Kore-KR" altLang="en-US" dirty="0"/>
+          </a:p>
+        </p:txBody>
+      </p:sp>
+      <p:cxnSp>
+        <p:nvCxnSpPr>
+          <p:cNvPr id="20" name="직선 화살표 연결선 19">
+            <a:extLst>
+              <a:ext uri="{FF2B5EF4-FFF2-40B4-BE49-F238E27FC236}">
+                <a16:creationId xmlns:a16="http://schemas.microsoft.com/office/drawing/2014/main" id="{754310EC-49A8-8746-9C3A-A25C78F11729}"/>
+              </a:ext>
+            </a:extLst>
+          </p:cNvPr>
+          <p:cNvCxnSpPr>
+            <a:cxnSpLocks/>
+            <a:stCxn id="17" idx="6"/>
+            <a:endCxn id="24" idx="1"/>
+          </p:cNvCxnSpPr>
+          <p:nvPr/>
+        </p:nvCxnSpPr>
+        <p:spPr>
+          <a:xfrm flipV="1">
+            <a:off x="5812706" y="5242357"/>
+            <a:ext cx="1080737" cy="1"/>
+          </a:xfrm>
+          <a:prstGeom prst="straightConnector1">
+            <a:avLst/>
+          </a:prstGeom>
+          <a:ln>
+            <a:tailEnd type="triangle"/>
+          </a:ln>
+        </p:spPr>
+        <p:style>
+          <a:lnRef idx="3">
+            <a:schemeClr val="accent1"/>
+          </a:lnRef>
+          <a:fillRef idx="0">
+            <a:schemeClr val="accent1"/>
+          </a:fillRef>
+          <a:effectRef idx="2">
+            <a:schemeClr val="accent1"/>
+          </a:effectRef>
+          <a:fontRef idx="minor">
+            <a:schemeClr val="tx1"/>
+          </a:fontRef>
+        </p:style>
+      </p:cxnSp>
+      <p:sp>
+        <p:nvSpPr>
+          <p:cNvPr id="24" name="TextBox 23">
+            <a:extLst>
+              <a:ext uri="{FF2B5EF4-FFF2-40B4-BE49-F238E27FC236}">
+                <a16:creationId xmlns:a16="http://schemas.microsoft.com/office/drawing/2014/main" id="{703E45B9-BA65-9FAB-D2D7-1C9A6DE10AFC}"/>
+              </a:ext>
+            </a:extLst>
+          </p:cNvPr>
+          <p:cNvSpPr txBox="1"/>
+          <p:nvPr/>
+        </p:nvSpPr>
+        <p:spPr>
+          <a:xfrm>
+            <a:off x="6893443" y="5103857"/>
+            <a:ext cx="800982" cy="276999"/>
+          </a:xfrm>
+          <a:prstGeom prst="rect">
+            <a:avLst/>
+          </a:prstGeom>
+        </p:spPr>
+        <p:style>
+          <a:lnRef idx="2">
+            <a:schemeClr val="accent1"/>
+          </a:lnRef>
+          <a:fillRef idx="1">
+            <a:schemeClr val="lt1"/>
+          </a:fillRef>
+          <a:effectRef idx="0">
+            <a:schemeClr val="accent1"/>
+          </a:effectRef>
+          <a:fontRef idx="minor">
+            <a:schemeClr val="dk1"/>
+          </a:fontRef>
+        </p:style>
+        <p:txBody>
+          <a:bodyPr wrap="square" rtlCol="0">
+            <a:spAutoFit/>
+          </a:bodyPr>
+          <a:lstStyle/>
+          <a:p>
+            <a:pPr algn="ctr"/>
+            <a:r>
+              <a:rPr kumimoji="1" lang="en-US" altLang="ko-Kore-KR" sz="1200" dirty="0"/>
+              <a:t>run()</a:t>
+            </a:r>
+            <a:endParaRPr kumimoji="1" lang="ko-Kore-KR" altLang="en-US" sz="1200" dirty="0"/>
+          </a:p>
+        </p:txBody>
+      </p:sp>
+      <p:sp>
+        <p:nvSpPr>
+          <p:cNvPr id="26" name="TextBox 25">
+            <a:extLst>
+              <a:ext uri="{FF2B5EF4-FFF2-40B4-BE49-F238E27FC236}">
+                <a16:creationId xmlns:a16="http://schemas.microsoft.com/office/drawing/2014/main" id="{D23D3D64-62F4-A5CE-7DC2-61595062936D}"/>
+              </a:ext>
+            </a:extLst>
+          </p:cNvPr>
+          <p:cNvSpPr txBox="1"/>
+          <p:nvPr/>
+        </p:nvSpPr>
+        <p:spPr>
+          <a:xfrm>
+            <a:off x="5440567" y="5942905"/>
+            <a:ext cx="6265880" cy="461665"/>
+          </a:xfrm>
+          <a:prstGeom prst="rect">
+            <a:avLst/>
+          </a:prstGeom>
+        </p:spPr>
+        <p:style>
+          <a:lnRef idx="2">
+            <a:schemeClr val="accent1"/>
+          </a:lnRef>
+          <a:fillRef idx="1">
+            <a:schemeClr val="lt1"/>
+          </a:fillRef>
+          <a:effectRef idx="0">
+            <a:schemeClr val="accent1"/>
+          </a:effectRef>
+          <a:fontRef idx="minor">
+            <a:schemeClr val="dk1"/>
+          </a:fontRef>
+        </p:style>
+        <p:txBody>
+          <a:bodyPr wrap="square" rtlCol="0">
+            <a:spAutoFit/>
+          </a:bodyPr>
+          <a:lstStyle/>
+          <a:p>
+            <a:pPr algn="ctr"/>
+            <a:r>
+              <a:rPr kumimoji="1" lang="en-US" altLang="ko-Kore-KR" sz="1200" dirty="0" err="1"/>
+              <a:t>MyRunnable.run</a:t>
+            </a:r>
+            <a:r>
+              <a:rPr kumimoji="1" lang="en-US" altLang="ko-KR" sz="1200" dirty="0"/>
+              <a:t>(){</a:t>
+            </a:r>
+            <a:r>
+              <a:rPr kumimoji="1" lang="en-US" altLang="ko-KR" sz="1200" dirty="0">
+                <a:sym typeface="Wingdings" pitchFamily="2" charset="2"/>
+              </a:rPr>
+              <a:t>                             </a:t>
+            </a:r>
+            <a:r>
+              <a:rPr kumimoji="1" lang="en-US" altLang="ko-KR" sz="1200" dirty="0"/>
+              <a:t>                                      </a:t>
+            </a:r>
+            <a:r>
+              <a:rPr kumimoji="1" lang="en-US" altLang="ko-KR" sz="1200" dirty="0">
+                <a:sym typeface="Wingdings" pitchFamily="2" charset="2"/>
+              </a:rPr>
+              <a:t></a:t>
+            </a:r>
+            <a:r>
+              <a:rPr kumimoji="1" lang="ko-KR" altLang="en-US" sz="1200" dirty="0">
+                <a:sym typeface="Wingdings" pitchFamily="2" charset="2"/>
+              </a:rPr>
+              <a:t> </a:t>
+            </a:r>
+            <a:r>
+              <a:rPr kumimoji="1" lang="en-US" altLang="ko-KR" sz="1200" dirty="0">
+                <a:sym typeface="Wingdings" pitchFamily="2" charset="2"/>
+              </a:rPr>
+              <a:t> </a:t>
+            </a:r>
+            <a:r>
+              <a:rPr kumimoji="1" lang="ko-KR" altLang="en-US" sz="1200" dirty="0">
+                <a:sym typeface="Wingdings" pitchFamily="2" charset="2"/>
+              </a:rPr>
+              <a:t>   </a:t>
+            </a:r>
+            <a:r>
+              <a:rPr kumimoji="1" lang="en-US" altLang="ko-KR" sz="1200" dirty="0"/>
+              <a:t>}</a:t>
+            </a:r>
+          </a:p>
+          <a:p>
+            <a:pPr algn="ctr"/>
+            <a:endParaRPr kumimoji="1" lang="ko-Kore-KR" altLang="en-US" sz="1200" dirty="0"/>
+          </a:p>
+        </p:txBody>
+      </p:sp>
+      <p:cxnSp>
+        <p:nvCxnSpPr>
+          <p:cNvPr id="31" name="꺾인 연결선[E] 30">
+            <a:extLst>
+              <a:ext uri="{FF2B5EF4-FFF2-40B4-BE49-F238E27FC236}">
+                <a16:creationId xmlns:a16="http://schemas.microsoft.com/office/drawing/2014/main" id="{1418F5AB-E7A7-1F53-A5F0-39EDE6DF7F05}"/>
+              </a:ext>
+            </a:extLst>
+          </p:cNvPr>
+          <p:cNvCxnSpPr>
+            <a:stCxn id="24" idx="3"/>
+            <a:endCxn id="26" idx="0"/>
+          </p:cNvCxnSpPr>
+          <p:nvPr/>
+        </p:nvCxnSpPr>
+        <p:spPr>
+          <a:xfrm>
+            <a:off x="7694425" y="5242357"/>
+            <a:ext cx="879082" cy="700548"/>
+          </a:xfrm>
+          <a:prstGeom prst="bentConnector2">
+            <a:avLst/>
+          </a:prstGeom>
+          <a:ln>
+            <a:tailEnd type="triangle"/>
+          </a:ln>
+        </p:spPr>
+        <p:style>
+          <a:lnRef idx="3">
+            <a:schemeClr val="accent1"/>
+          </a:lnRef>
+          <a:fillRef idx="0">
+            <a:schemeClr val="accent1"/>
+          </a:fillRef>
+          <a:effectRef idx="2">
+            <a:schemeClr val="accent1"/>
+          </a:effectRef>
+          <a:fontRef idx="minor">
+            <a:schemeClr val="tx1"/>
+          </a:fontRef>
+        </p:style>
+      </p:cxnSp>
+      <p:sp>
+        <p:nvSpPr>
+          <p:cNvPr id="32" name="TextBox 31">
+            <a:extLst>
+              <a:ext uri="{FF2B5EF4-FFF2-40B4-BE49-F238E27FC236}">
+                <a16:creationId xmlns:a16="http://schemas.microsoft.com/office/drawing/2014/main" id="{11EFC031-2D45-1D7B-D461-C35F8E49466B}"/>
+              </a:ext>
+            </a:extLst>
+          </p:cNvPr>
+          <p:cNvSpPr txBox="1"/>
+          <p:nvPr/>
+        </p:nvSpPr>
+        <p:spPr>
+          <a:xfrm>
+            <a:off x="5958580" y="4849643"/>
+            <a:ext cx="663734" cy="276999"/>
+          </a:xfrm>
+          <a:prstGeom prst="rect">
+            <a:avLst/>
+          </a:prstGeom>
+        </p:spPr>
+        <p:style>
+          <a:lnRef idx="2">
+            <a:schemeClr val="dk1"/>
+          </a:lnRef>
+          <a:fillRef idx="1">
+            <a:schemeClr val="lt1"/>
+          </a:fillRef>
+          <a:effectRef idx="0">
+            <a:schemeClr val="dk1"/>
+          </a:effectRef>
+          <a:fontRef idx="minor">
+            <a:schemeClr val="dk1"/>
+          </a:fontRef>
+        </p:style>
+        <p:txBody>
+          <a:bodyPr wrap="square" rtlCol="0">
+            <a:spAutoFit/>
+          </a:bodyPr>
+          <a:lstStyle/>
+          <a:p>
+            <a:pPr algn="ctr"/>
+            <a:r>
+              <a:rPr kumimoji="1" lang="en-US" altLang="ko-Kore-KR" sz="1200" dirty="0"/>
+              <a:t>call()</a:t>
+            </a:r>
+            <a:endParaRPr kumimoji="1" lang="ko-Kore-KR" altLang="en-US" sz="1200" dirty="0"/>
+          </a:p>
+        </p:txBody>
+      </p:sp>
     </p:spTree>
     <p:extLst>
       <p:ext uri="{BB962C8B-B14F-4D97-AF65-F5344CB8AC3E}">
